--- a/figure/BarGraph_ndt_matching.pptx
+++ b/figure/BarGraph_ndt_matching.pptx
@@ -9,7 +9,7 @@
     <p:notesMasterId r:id="rId4"/>
   </p:notesMasterIdLst>
   <p:sldIdLst>
-    <p:sldId id="256" r:id="rId3"/>
+    <p:sldId id="257" r:id="rId3"/>
   </p:sldIdLst>
   <p:sldSz cx="5551488" cy="3617913"/>
   <p:notesSz cx="6858000" cy="9144000"/>
@@ -123,12 +123,13 @@
   <c:roundedCorners val="0"/>
   <mc:AlternateContent xmlns:mc="http://schemas.openxmlformats.org/markup-compatibility/2006">
     <mc:Choice xmlns:c14="http://schemas.microsoft.com/office/drawing/2007/8/2/chart" Requires="c14">
-      <c14:style val="107"/>
+      <c14:style val="104"/>
     </mc:Choice>
     <mc:Fallback>
-      <c:style val="7"/>
+      <c:style val="4"/>
     </mc:Fallback>
   </mc:AlternateContent>
+  <c:clrMapOvr bg1="lt1" tx1="dk1" bg2="lt2" tx2="dk2" accent1="accent1" accent2="accent2" accent3="accent3" accent4="accent4" accent5="accent5" accent6="accent6" hlink="hlink" folHlink="folHlink"/>
   <c:chart>
     <c:autoTitleDeleted val="1"/>
     <c:plotArea>
@@ -153,9 +154,7 @@
           </c:tx>
           <c:spPr>
             <a:solidFill>
-              <a:schemeClr val="accent5">
-                <a:lumMod val="75000"/>
-              </a:schemeClr>
+              <a:srgbClr val="C00000"/>
             </a:solidFill>
             <a:ln>
               <a:noFill/>
@@ -181,7 +180,7 @@
             <c:numRef>
               <c:f>Sheet1!$U$11:$V$11</c:f>
               <c:numCache>
-                <c:formatCode>General</c:formatCode>
+                <c:formatCode>0.00000_ </c:formatCode>
                 <c:ptCount val="2"/>
                 <c:pt idx="0">
                   <c:v>3.5061666666666671</c:v>
@@ -194,7 +193,7 @@
           </c:val>
           <c:extLst>
             <c:ext xmlns:c16="http://schemas.microsoft.com/office/drawing/2014/chart" uri="{C3380CC4-5D6E-409C-BE32-E72D297353CC}">
-              <c16:uniqueId val="{00000000-EA90-40DF-883B-DFC7A0E5B2BE}"/>
+              <c16:uniqueId val="{00000000-9DA1-442D-B53E-6D0392CA770A}"/>
             </c:ext>
           </c:extLst>
         </c:ser>
@@ -240,7 +239,7 @@
             <c:numRef>
               <c:f>Sheet1!$U$12:$V$12</c:f>
               <c:numCache>
-                <c:formatCode>General</c:formatCode>
+                <c:formatCode>0.00000_ </c:formatCode>
                 <c:ptCount val="2"/>
                 <c:pt idx="0">
                   <c:v>3.4754999999999998</c:v>
@@ -253,7 +252,7 @@
           </c:val>
           <c:extLst>
             <c:ext xmlns:c16="http://schemas.microsoft.com/office/drawing/2014/chart" uri="{C3380CC4-5D6E-409C-BE32-E72D297353CC}">
-              <c16:uniqueId val="{00000001-EA90-40DF-883B-DFC7A0E5B2BE}"/>
+              <c16:uniqueId val="{00000001-9DA1-442D-B53E-6D0392CA770A}"/>
             </c:ext>
           </c:extLst>
         </c:ser>
@@ -273,9 +272,10 @@
           </c:tx>
           <c:spPr>
             <a:solidFill>
-              <a:schemeClr val="accent5">
-                <a:tint val="65000"/>
-              </a:schemeClr>
+              <a:srgbClr val="FF0000">
+                <a:lumMod val="20000"/>
+                <a:lumOff val="80000"/>
+              </a:srgbClr>
             </a:solidFill>
             <a:ln>
               <a:noFill/>
@@ -301,7 +301,7 @@
             <c:numRef>
               <c:f>Sheet1!$U$13:$V$13</c:f>
               <c:numCache>
-                <c:formatCode>General</c:formatCode>
+                <c:formatCode>0.00000_ </c:formatCode>
                 <c:ptCount val="2"/>
                 <c:pt idx="0">
                   <c:v>0.96899999999999986</c:v>
@@ -314,7 +314,7 @@
           </c:val>
           <c:extLst>
             <c:ext xmlns:c16="http://schemas.microsoft.com/office/drawing/2014/chart" uri="{C3380CC4-5D6E-409C-BE32-E72D297353CC}">
-              <c16:uniqueId val="{00000002-EA90-40DF-883B-DFC7A0E5B2BE}"/>
+              <c16:uniqueId val="{00000002-9DA1-442D-B53E-6D0392CA770A}"/>
             </c:ext>
           </c:extLst>
         </c:ser>
@@ -410,7 +410,7 @@
               <a:lstStyle/>
               <a:p>
                 <a:pPr>
-                  <a:defRPr sz="1000" b="0" i="0" u="none" strike="noStrike" kern="1200" baseline="0">
+                  <a:defRPr sz="1100" b="0" i="0" u="none" strike="noStrike" kern="1200" baseline="0">
                     <a:solidFill>
                       <a:schemeClr val="tx1">
                         <a:lumMod val="65000"/>
@@ -423,10 +423,10 @@
                   </a:defRPr>
                 </a:pPr>
                 <a:r>
-                  <a:rPr lang="en-US" altLang="ja-JP" sz="1600" dirty="0"/>
+                  <a:rPr lang="en-US" altLang="ja-JP" sz="1100"/>
                   <a:t>execution time [s]</a:t>
                 </a:r>
-                <a:endParaRPr lang="ja-JP" altLang="en-US" sz="1600" dirty="0"/>
+                <a:endParaRPr lang="ja-JP" altLang="en-US" sz="1100"/>
               </a:p>
             </c:rich>
           </c:tx>
@@ -434,8 +434,8 @@
             <c:manualLayout>
               <c:xMode val="edge"/>
               <c:yMode val="edge"/>
-              <c:x val="3.8890474049480067E-2"/>
-              <c:y val="0.19596054298722579"/>
+              <c:x val="5.2616523714002446E-2"/>
+              <c:y val="0.25893554072072511"/>
             </c:manualLayout>
           </c:layout>
           <c:overlay val="0"/>
@@ -451,7 +451,7 @@
             <a:lstStyle/>
             <a:p>
               <a:pPr>
-                <a:defRPr sz="1000" b="0" i="0" u="none" strike="noStrike" kern="1200" baseline="0">
+                <a:defRPr sz="1100" b="0" i="0" u="none" strike="noStrike" kern="1200" baseline="0">
                   <a:solidFill>
                     <a:schemeClr val="tx1">
                       <a:lumMod val="65000"/>
@@ -467,7 +467,7 @@
             </a:p>
           </c:txPr>
         </c:title>
-        <c:numFmt formatCode="General" sourceLinked="1"/>
+        <c:numFmt formatCode="0_ " sourceLinked="0"/>
         <c:majorTickMark val="none"/>
         <c:minorTickMark val="none"/>
         <c:tickLblPos val="nextTo"/>
@@ -570,15 +570,15 @@
       <a:endParaRPr lang="ja-JP"/>
     </a:p>
   </c:txPr>
-  <c:externalData r:id="rId3">
+  <c:externalData r:id="rId4">
     <c:autoUpdate val="0"/>
   </c:externalData>
 </c:chartSpace>
 </file>
 
 <file path=ppt/charts/colors1.xml><?xml version="1.0" encoding="utf-8"?>
-<cs:colorStyle xmlns:cs="http://schemas.microsoft.com/office/drawing/2012/chartStyle" xmlns:a="http://schemas.openxmlformats.org/drawingml/2006/main" meth="withinLinear" id="18">
-  <a:schemeClr val="accent5"/>
+<cs:colorStyle xmlns:cs="http://schemas.microsoft.com/office/drawing/2012/chartStyle" xmlns:a="http://schemas.openxmlformats.org/drawingml/2006/main" meth="withinLinear" id="15">
+  <a:schemeClr val="accent2"/>
 </cs:colorStyle>
 </file>
 
@@ -1169,7 +1169,7 @@
           <a:p>
             <a:fld id="{7F0095D0-A9E1-4B64-AAAF-C179389DF804}" type="datetimeFigureOut">
               <a:rPr kumimoji="1" lang="ja-JP" altLang="en-US" smtClean="0"/>
-              <a:t>2017/4/3</a:t>
+              <a:t>2017/4/4</a:t>
             </a:fld>
             <a:endParaRPr kumimoji="1" lang="ja-JP" altLang="en-US"/>
           </a:p>
@@ -1612,7 +1612,7 @@
     </p:spTree>
     <p:extLst>
       <p:ext uri="{BB962C8B-B14F-4D97-AF65-F5344CB8AC3E}">
-        <p14:creationId xmlns:p14="http://schemas.microsoft.com/office/powerpoint/2010/main" val="1152994699"/>
+        <p14:creationId xmlns:p14="http://schemas.microsoft.com/office/powerpoint/2010/main" val="1475760251"/>
       </p:ext>
     </p:extLst>
   </p:cSld>
@@ -1753,7 +1753,7 @@
           <a:p>
             <a:fld id="{05B1DBB0-D0CE-4499-8A6D-C73AC9430D35}" type="datetimeFigureOut">
               <a:rPr kumimoji="1" lang="ja-JP" altLang="en-US" smtClean="0"/>
-              <a:t>2017/4/3</a:t>
+              <a:t>2017/4/4</a:t>
             </a:fld>
             <a:endParaRPr kumimoji="1" lang="ja-JP" altLang="en-US"/>
           </a:p>
@@ -1955,7 +1955,7 @@
           <a:p>
             <a:fld id="{05B1DBB0-D0CE-4499-8A6D-C73AC9430D35}" type="datetimeFigureOut">
               <a:rPr kumimoji="1" lang="ja-JP" altLang="en-US" smtClean="0"/>
-              <a:t>2017/4/3</a:t>
+              <a:t>2017/4/4</a:t>
             </a:fld>
             <a:endParaRPr kumimoji="1" lang="ja-JP" altLang="en-US"/>
           </a:p>
@@ -2167,7 +2167,7 @@
           <a:p>
             <a:fld id="{05B1DBB0-D0CE-4499-8A6D-C73AC9430D35}" type="datetimeFigureOut">
               <a:rPr kumimoji="1" lang="ja-JP" altLang="en-US" smtClean="0"/>
-              <a:t>2017/4/3</a:t>
+              <a:t>2017/4/4</a:t>
             </a:fld>
             <a:endParaRPr kumimoji="1" lang="ja-JP" altLang="en-US"/>
           </a:p>
@@ -2367,7 +2367,7 @@
           <a:p>
             <a:fld id="{1D8BD707-D9CF-40AE-B4C6-C98DA3205C09}" type="datetimeFigureOut">
               <a:rPr lang="en-US"/>
-              <a:t>4/3/2017</a:t>
+              <a:t>4/4/2017</a:t>
             </a:fld>
             <a:endParaRPr lang="en-US"/>
           </a:p>
@@ -2537,7 +2537,7 @@
           <a:p>
             <a:fld id="{1D8BD707-D9CF-40AE-B4C6-C98DA3205C09}" type="datetimeFigureOut">
               <a:rPr lang="en-US"/>
-              <a:t>4/3/2017</a:t>
+              <a:t>4/4/2017</a:t>
             </a:fld>
             <a:endParaRPr lang="en-US"/>
           </a:p>
@@ -2750,7 +2750,7 @@
           <a:p>
             <a:fld id="{1D8BD707-D9CF-40AE-B4C6-C98DA3205C09}" type="datetimeFigureOut">
               <a:rPr lang="en-US"/>
-              <a:t>4/3/2017</a:t>
+              <a:t>4/4/2017</a:t>
             </a:fld>
             <a:endParaRPr lang="en-US"/>
           </a:p>
@@ -2897,7 +2897,7 @@
           <a:p>
             <a:fld id="{1D8BD707-D9CF-40AE-B4C6-C98DA3205C09}" type="datetimeFigureOut">
               <a:rPr lang="en-US"/>
-              <a:t>4/3/2017</a:t>
+              <a:t>4/4/2017</a:t>
             </a:fld>
             <a:endParaRPr lang="en-US"/>
           </a:p>
@@ -3021,7 +3021,7 @@
           <a:p>
             <a:fld id="{1D8BD707-D9CF-40AE-B4C6-C98DA3205C09}" type="datetimeFigureOut">
               <a:rPr lang="en-US"/>
-              <a:t>4/3/2017</a:t>
+              <a:t>4/4/2017</a:t>
             </a:fld>
             <a:endParaRPr lang="en-US"/>
           </a:p>
@@ -3220,7 +3220,7 @@
           <a:p>
             <a:fld id="{05B1DBB0-D0CE-4499-8A6D-C73AC9430D35}" type="datetimeFigureOut">
               <a:rPr kumimoji="1" lang="ja-JP" altLang="en-US" smtClean="0"/>
-              <a:t>2017/4/3</a:t>
+              <a:t>2017/4/4</a:t>
             </a:fld>
             <a:endParaRPr kumimoji="1" lang="ja-JP" altLang="en-US"/>
           </a:p>
@@ -3466,7 +3466,7 @@
           <a:p>
             <a:fld id="{05B1DBB0-D0CE-4499-8A6D-C73AC9430D35}" type="datetimeFigureOut">
               <a:rPr kumimoji="1" lang="ja-JP" altLang="en-US" smtClean="0"/>
-              <a:t>2017/4/3</a:t>
+              <a:t>2017/4/4</a:t>
             </a:fld>
             <a:endParaRPr kumimoji="1" lang="ja-JP" altLang="en-US"/>
           </a:p>
@@ -3762,7 +3762,7 @@
           <a:p>
             <a:fld id="{05B1DBB0-D0CE-4499-8A6D-C73AC9430D35}" type="datetimeFigureOut">
               <a:rPr kumimoji="1" lang="ja-JP" altLang="en-US" smtClean="0"/>
-              <a:t>2017/4/3</a:t>
+              <a:t>2017/4/4</a:t>
             </a:fld>
             <a:endParaRPr kumimoji="1" lang="ja-JP" altLang="en-US"/>
           </a:p>
@@ -4193,7 +4193,7 @@
           <a:p>
             <a:fld id="{05B1DBB0-D0CE-4499-8A6D-C73AC9430D35}" type="datetimeFigureOut">
               <a:rPr kumimoji="1" lang="ja-JP" altLang="en-US" smtClean="0"/>
-              <a:t>2017/4/3</a:t>
+              <a:t>2017/4/4</a:t>
             </a:fld>
             <a:endParaRPr kumimoji="1" lang="ja-JP" altLang="en-US"/>
           </a:p>
@@ -4311,7 +4311,7 @@
           <a:p>
             <a:fld id="{05B1DBB0-D0CE-4499-8A6D-C73AC9430D35}" type="datetimeFigureOut">
               <a:rPr kumimoji="1" lang="ja-JP" altLang="en-US" smtClean="0"/>
-              <a:t>2017/4/3</a:t>
+              <a:t>2017/4/4</a:t>
             </a:fld>
             <a:endParaRPr kumimoji="1" lang="ja-JP" altLang="en-US"/>
           </a:p>
@@ -4406,7 +4406,7 @@
           <a:p>
             <a:fld id="{05B1DBB0-D0CE-4499-8A6D-C73AC9430D35}" type="datetimeFigureOut">
               <a:rPr kumimoji="1" lang="ja-JP" altLang="en-US" smtClean="0"/>
-              <a:t>2017/4/3</a:t>
+              <a:t>2017/4/4</a:t>
             </a:fld>
             <a:endParaRPr kumimoji="1" lang="ja-JP" altLang="en-US"/>
           </a:p>
@@ -4715,7 +4715,7 @@
           <a:p>
             <a:fld id="{05B1DBB0-D0CE-4499-8A6D-C73AC9430D35}" type="datetimeFigureOut">
               <a:rPr kumimoji="1" lang="ja-JP" altLang="en-US" smtClean="0"/>
-              <a:t>2017/4/3</a:t>
+              <a:t>2017/4/4</a:t>
             </a:fld>
             <a:endParaRPr kumimoji="1" lang="ja-JP" altLang="en-US"/>
           </a:p>
@@ -4968,7 +4968,7 @@
           <a:p>
             <a:fld id="{05B1DBB0-D0CE-4499-8A6D-C73AC9430D35}" type="datetimeFigureOut">
               <a:rPr kumimoji="1" lang="ja-JP" altLang="en-US" smtClean="0"/>
-              <a:t>2017/4/3</a:t>
+              <a:t>2017/4/4</a:t>
             </a:fld>
             <a:endParaRPr kumimoji="1" lang="ja-JP" altLang="en-US"/>
           </a:p>
@@ -5213,7 +5213,7 @@
           <a:p>
             <a:fld id="{05B1DBB0-D0CE-4499-8A6D-C73AC9430D35}" type="datetimeFigureOut">
               <a:rPr kumimoji="1" lang="ja-JP" altLang="en-US" smtClean="0"/>
-              <a:t>2017/4/3</a:t>
+              <a:t>2017/4/4</a:t>
             </a:fld>
             <a:endParaRPr kumimoji="1" lang="ja-JP" altLang="en-US"/>
           </a:p>
@@ -5768,7 +5768,7 @@
           <a:p>
             <a:fld id="{1D8BD707-D9CF-40AE-B4C6-C98DA3205C09}" type="datetimeFigureOut">
               <a:rPr lang="en-US"/>
-              <a:t>4/3/2017</a:t>
+              <a:t>4/4/2017</a:t>
             </a:fld>
             <a:endParaRPr lang="en-US"/>
           </a:p>
@@ -5994,14 +5994,14 @@
       </p:grpSpPr>
       <p:graphicFrame>
         <p:nvGraphicFramePr>
-          <p:cNvPr id="5" name="グラフ 4"/>
+          <p:cNvPr id="3" name="グラフ 2"/>
           <p:cNvGraphicFramePr>
             <a:graphicFrameLocks/>
           </p:cNvGraphicFramePr>
           <p:nvPr>
             <p:extLst>
               <p:ext uri="{D42A27DB-BD31-4B8C-83A1-F6EECF244321}">
-                <p14:modId xmlns:p14="http://schemas.microsoft.com/office/powerpoint/2010/main" val="1303761987"/>
+                <p14:modId xmlns:p14="http://schemas.microsoft.com/office/powerpoint/2010/main" val="2433291710"/>
               </p:ext>
             </p:extLst>
           </p:nvPr>
@@ -6019,7 +6019,7 @@
     </p:spTree>
     <p:extLst>
       <p:ext uri="{BB962C8B-B14F-4D97-AF65-F5344CB8AC3E}">
-        <p14:creationId xmlns:p14="http://schemas.microsoft.com/office/powerpoint/2010/main" val="1423963712"/>
+        <p14:creationId xmlns:p14="http://schemas.microsoft.com/office/powerpoint/2010/main" val="3367397761"/>
       </p:ext>
     </p:extLst>
   </p:cSld>
@@ -6865,4 +6865,256 @@
     </a:ext>
   </a:extLst>
 </a:theme>
+</file>
+
+<file path=ppt/theme/themeOverride1.xml><?xml version="1.0" encoding="utf-8"?>
+<a:themeOverride xmlns:a="http://schemas.openxmlformats.org/drawingml/2006/main">
+  <a:clrScheme name="Office">
+    <a:dk1>
+      <a:sysClr val="windowText" lastClr="000000"/>
+    </a:dk1>
+    <a:lt1>
+      <a:sysClr val="window" lastClr="FFFFFF"/>
+    </a:lt1>
+    <a:dk2>
+      <a:srgbClr val="44546A"/>
+    </a:dk2>
+    <a:lt2>
+      <a:srgbClr val="E7E6E6"/>
+    </a:lt2>
+    <a:accent1>
+      <a:srgbClr val="5B9BD5"/>
+    </a:accent1>
+    <a:accent2>
+      <a:srgbClr val="ED7D31"/>
+    </a:accent2>
+    <a:accent3>
+      <a:srgbClr val="A5A5A5"/>
+    </a:accent3>
+    <a:accent4>
+      <a:srgbClr val="FFC000"/>
+    </a:accent4>
+    <a:accent5>
+      <a:srgbClr val="4472C4"/>
+    </a:accent5>
+    <a:accent6>
+      <a:srgbClr val="70AD47"/>
+    </a:accent6>
+    <a:hlink>
+      <a:srgbClr val="0563C1"/>
+    </a:hlink>
+    <a:folHlink>
+      <a:srgbClr val="954F72"/>
+    </a:folHlink>
+  </a:clrScheme>
+  <a:fontScheme name="Office">
+    <a:majorFont>
+      <a:latin typeface="Calibri Light" panose="020F0302020204030204"/>
+      <a:ea typeface=""/>
+      <a:cs typeface=""/>
+      <a:font script="Jpan" typeface="游ゴシック Light"/>
+      <a:font script="Hang" typeface="맑은 고딕"/>
+      <a:font script="Hans" typeface="等线 Light"/>
+      <a:font script="Hant" typeface="新細明體"/>
+      <a:font script="Arab" typeface="Times New Roman"/>
+      <a:font script="Hebr" typeface="Times New Roman"/>
+      <a:font script="Thai" typeface="Tahoma"/>
+      <a:font script="Ethi" typeface="Nyala"/>
+      <a:font script="Beng" typeface="Vrinda"/>
+      <a:font script="Gujr" typeface="Shruti"/>
+      <a:font script="Khmr" typeface="MoolBoran"/>
+      <a:font script="Knda" typeface="Tunga"/>
+      <a:font script="Guru" typeface="Raavi"/>
+      <a:font script="Cans" typeface="Euphemia"/>
+      <a:font script="Cher" typeface="Plantagenet Cherokee"/>
+      <a:font script="Yiii" typeface="Microsoft Yi Baiti"/>
+      <a:font script="Tibt" typeface="Microsoft Himalaya"/>
+      <a:font script="Thaa" typeface="MV Boli"/>
+      <a:font script="Deva" typeface="Mangal"/>
+      <a:font script="Telu" typeface="Gautami"/>
+      <a:font script="Taml" typeface="Latha"/>
+      <a:font script="Syrc" typeface="Estrangelo Edessa"/>
+      <a:font script="Orya" typeface="Kalinga"/>
+      <a:font script="Mlym" typeface="Kartika"/>
+      <a:font script="Laoo" typeface="DokChampa"/>
+      <a:font script="Sinh" typeface="Iskoola Pota"/>
+      <a:font script="Mong" typeface="Mongolian Baiti"/>
+      <a:font script="Viet" typeface="Times New Roman"/>
+      <a:font script="Uigh" typeface="Microsoft Uighur"/>
+      <a:font script="Geor" typeface="Sylfaen"/>
+    </a:majorFont>
+    <a:minorFont>
+      <a:latin typeface="Calibri" panose="020F0502020204030204"/>
+      <a:ea typeface=""/>
+      <a:cs typeface=""/>
+      <a:font script="Jpan" typeface="游ゴシック"/>
+      <a:font script="Hang" typeface="맑은 고딕"/>
+      <a:font script="Hans" typeface="等线"/>
+      <a:font script="Hant" typeface="新細明體"/>
+      <a:font script="Arab" typeface="Arial"/>
+      <a:font script="Hebr" typeface="Arial"/>
+      <a:font script="Thai" typeface="Tahoma"/>
+      <a:font script="Ethi" typeface="Nyala"/>
+      <a:font script="Beng" typeface="Vrinda"/>
+      <a:font script="Gujr" typeface="Shruti"/>
+      <a:font script="Khmr" typeface="DaunPenh"/>
+      <a:font script="Knda" typeface="Tunga"/>
+      <a:font script="Guru" typeface="Raavi"/>
+      <a:font script="Cans" typeface="Euphemia"/>
+      <a:font script="Cher" typeface="Plantagenet Cherokee"/>
+      <a:font script="Yiii" typeface="Microsoft Yi Baiti"/>
+      <a:font script="Tibt" typeface="Microsoft Himalaya"/>
+      <a:font script="Thaa" typeface="MV Boli"/>
+      <a:font script="Deva" typeface="Mangal"/>
+      <a:font script="Telu" typeface="Gautami"/>
+      <a:font script="Taml" typeface="Latha"/>
+      <a:font script="Syrc" typeface="Estrangelo Edessa"/>
+      <a:font script="Orya" typeface="Kalinga"/>
+      <a:font script="Mlym" typeface="Kartika"/>
+      <a:font script="Laoo" typeface="DokChampa"/>
+      <a:font script="Sinh" typeface="Iskoola Pota"/>
+      <a:font script="Mong" typeface="Mongolian Baiti"/>
+      <a:font script="Viet" typeface="Arial"/>
+      <a:font script="Uigh" typeface="Microsoft Uighur"/>
+      <a:font script="Geor" typeface="Sylfaen"/>
+    </a:minorFont>
+  </a:fontScheme>
+  <a:fmtScheme name="Office">
+    <a:fillStyleLst>
+      <a:solidFill>
+        <a:schemeClr val="phClr"/>
+      </a:solidFill>
+      <a:gradFill rotWithShape="1">
+        <a:gsLst>
+          <a:gs pos="0">
+            <a:schemeClr val="phClr">
+              <a:lumMod val="110000"/>
+              <a:satMod val="105000"/>
+              <a:tint val="67000"/>
+            </a:schemeClr>
+          </a:gs>
+          <a:gs pos="50000">
+            <a:schemeClr val="phClr">
+              <a:lumMod val="105000"/>
+              <a:satMod val="103000"/>
+              <a:tint val="73000"/>
+            </a:schemeClr>
+          </a:gs>
+          <a:gs pos="100000">
+            <a:schemeClr val="phClr">
+              <a:lumMod val="105000"/>
+              <a:satMod val="109000"/>
+              <a:tint val="81000"/>
+            </a:schemeClr>
+          </a:gs>
+        </a:gsLst>
+        <a:lin ang="5400000" scaled="0"/>
+      </a:gradFill>
+      <a:gradFill rotWithShape="1">
+        <a:gsLst>
+          <a:gs pos="0">
+            <a:schemeClr val="phClr">
+              <a:satMod val="103000"/>
+              <a:lumMod val="102000"/>
+              <a:tint val="94000"/>
+            </a:schemeClr>
+          </a:gs>
+          <a:gs pos="50000">
+            <a:schemeClr val="phClr">
+              <a:satMod val="110000"/>
+              <a:lumMod val="100000"/>
+              <a:shade val="100000"/>
+            </a:schemeClr>
+          </a:gs>
+          <a:gs pos="100000">
+            <a:schemeClr val="phClr">
+              <a:lumMod val="99000"/>
+              <a:satMod val="120000"/>
+              <a:shade val="78000"/>
+            </a:schemeClr>
+          </a:gs>
+        </a:gsLst>
+        <a:lin ang="5400000" scaled="0"/>
+      </a:gradFill>
+    </a:fillStyleLst>
+    <a:lnStyleLst>
+      <a:ln w="6350" cap="flat" cmpd="sng" algn="ctr">
+        <a:solidFill>
+          <a:schemeClr val="phClr"/>
+        </a:solidFill>
+        <a:prstDash val="solid"/>
+        <a:miter lim="800000"/>
+      </a:ln>
+      <a:ln w="12700" cap="flat" cmpd="sng" algn="ctr">
+        <a:solidFill>
+          <a:schemeClr val="phClr"/>
+        </a:solidFill>
+        <a:prstDash val="solid"/>
+        <a:miter lim="800000"/>
+      </a:ln>
+      <a:ln w="19050" cap="flat" cmpd="sng" algn="ctr">
+        <a:solidFill>
+          <a:schemeClr val="phClr"/>
+        </a:solidFill>
+        <a:prstDash val="solid"/>
+        <a:miter lim="800000"/>
+      </a:ln>
+    </a:lnStyleLst>
+    <a:effectStyleLst>
+      <a:effectStyle>
+        <a:effectLst/>
+      </a:effectStyle>
+      <a:effectStyle>
+        <a:effectLst/>
+      </a:effectStyle>
+      <a:effectStyle>
+        <a:effectLst>
+          <a:outerShdw blurRad="57150" dist="19050" dir="5400000" algn="ctr" rotWithShape="0">
+            <a:srgbClr val="000000">
+              <a:alpha val="63000"/>
+            </a:srgbClr>
+          </a:outerShdw>
+        </a:effectLst>
+      </a:effectStyle>
+    </a:effectStyleLst>
+    <a:bgFillStyleLst>
+      <a:solidFill>
+        <a:schemeClr val="phClr"/>
+      </a:solidFill>
+      <a:solidFill>
+        <a:schemeClr val="phClr">
+          <a:tint val="95000"/>
+          <a:satMod val="170000"/>
+        </a:schemeClr>
+      </a:solidFill>
+      <a:gradFill rotWithShape="1">
+        <a:gsLst>
+          <a:gs pos="0">
+            <a:schemeClr val="phClr">
+              <a:tint val="93000"/>
+              <a:satMod val="150000"/>
+              <a:shade val="98000"/>
+              <a:lumMod val="102000"/>
+            </a:schemeClr>
+          </a:gs>
+          <a:gs pos="50000">
+            <a:schemeClr val="phClr">
+              <a:tint val="98000"/>
+              <a:satMod val="130000"/>
+              <a:shade val="90000"/>
+              <a:lumMod val="103000"/>
+            </a:schemeClr>
+          </a:gs>
+          <a:gs pos="100000">
+            <a:schemeClr val="phClr">
+              <a:shade val="63000"/>
+              <a:satMod val="120000"/>
+            </a:schemeClr>
+          </a:gs>
+        </a:gsLst>
+        <a:lin ang="5400000" scaled="0"/>
+      </a:gradFill>
+    </a:bgFillStyleLst>
+  </a:fmtScheme>
+</a:themeOverride>
 </file>
--- a/figure/BarGraph_ndt_matching.pptx
+++ b/figure/BarGraph_ndt_matching.pptx
@@ -11,14 +11,14 @@
   <p:sldIdLst>
     <p:sldId id="257" r:id="rId3"/>
   </p:sldIdLst>
-  <p:sldSz cx="5551488" cy="3617913"/>
+  <p:sldSz cx="4687888" cy="2681288"/>
   <p:notesSz cx="6858000" cy="9144000"/>
   <p:defaultTextStyle>
     <a:defPPr>
       <a:defRPr lang="ja-JP"/>
     </a:defPPr>
-    <a:lvl1pPr marL="0" algn="l" defTabSz="224201" rtl="0" eaLnBrk="1" latinLnBrk="0" hangingPunct="1">
-      <a:defRPr kumimoji="1" sz="441" kern="1200">
+    <a:lvl1pPr marL="0" algn="l" defTabSz="217923" rtl="0" eaLnBrk="1" latinLnBrk="0" hangingPunct="1">
+      <a:defRPr kumimoji="1" sz="429" kern="1200">
         <a:solidFill>
           <a:schemeClr val="tx1"/>
         </a:solidFill>
@@ -27,8 +27,8 @@
         <a:cs typeface="+mn-cs"/>
       </a:defRPr>
     </a:lvl1pPr>
-    <a:lvl2pPr marL="112100" algn="l" defTabSz="224201" rtl="0" eaLnBrk="1" latinLnBrk="0" hangingPunct="1">
-      <a:defRPr kumimoji="1" sz="441" kern="1200">
+    <a:lvl2pPr marL="108961" algn="l" defTabSz="217923" rtl="0" eaLnBrk="1" latinLnBrk="0" hangingPunct="1">
+      <a:defRPr kumimoji="1" sz="429" kern="1200">
         <a:solidFill>
           <a:schemeClr val="tx1"/>
         </a:solidFill>
@@ -37,8 +37,8 @@
         <a:cs typeface="+mn-cs"/>
       </a:defRPr>
     </a:lvl2pPr>
-    <a:lvl3pPr marL="224201" algn="l" defTabSz="224201" rtl="0" eaLnBrk="1" latinLnBrk="0" hangingPunct="1">
-      <a:defRPr kumimoji="1" sz="441" kern="1200">
+    <a:lvl3pPr marL="217923" algn="l" defTabSz="217923" rtl="0" eaLnBrk="1" latinLnBrk="0" hangingPunct="1">
+      <a:defRPr kumimoji="1" sz="429" kern="1200">
         <a:solidFill>
           <a:schemeClr val="tx1"/>
         </a:solidFill>
@@ -47,8 +47,8 @@
         <a:cs typeface="+mn-cs"/>
       </a:defRPr>
     </a:lvl3pPr>
-    <a:lvl4pPr marL="336301" algn="l" defTabSz="224201" rtl="0" eaLnBrk="1" latinLnBrk="0" hangingPunct="1">
-      <a:defRPr kumimoji="1" sz="441" kern="1200">
+    <a:lvl4pPr marL="326885" algn="l" defTabSz="217923" rtl="0" eaLnBrk="1" latinLnBrk="0" hangingPunct="1">
+      <a:defRPr kumimoji="1" sz="429" kern="1200">
         <a:solidFill>
           <a:schemeClr val="tx1"/>
         </a:solidFill>
@@ -57,8 +57,8 @@
         <a:cs typeface="+mn-cs"/>
       </a:defRPr>
     </a:lvl4pPr>
-    <a:lvl5pPr marL="448401" algn="l" defTabSz="224201" rtl="0" eaLnBrk="1" latinLnBrk="0" hangingPunct="1">
-      <a:defRPr kumimoji="1" sz="441" kern="1200">
+    <a:lvl5pPr marL="435846" algn="l" defTabSz="217923" rtl="0" eaLnBrk="1" latinLnBrk="0" hangingPunct="1">
+      <a:defRPr kumimoji="1" sz="429" kern="1200">
         <a:solidFill>
           <a:schemeClr val="tx1"/>
         </a:solidFill>
@@ -67,8 +67,8 @@
         <a:cs typeface="+mn-cs"/>
       </a:defRPr>
     </a:lvl5pPr>
-    <a:lvl6pPr marL="560501" algn="l" defTabSz="224201" rtl="0" eaLnBrk="1" latinLnBrk="0" hangingPunct="1">
-      <a:defRPr kumimoji="1" sz="441" kern="1200">
+    <a:lvl6pPr marL="544807" algn="l" defTabSz="217923" rtl="0" eaLnBrk="1" latinLnBrk="0" hangingPunct="1">
+      <a:defRPr kumimoji="1" sz="429" kern="1200">
         <a:solidFill>
           <a:schemeClr val="tx1"/>
         </a:solidFill>
@@ -77,8 +77,8 @@
         <a:cs typeface="+mn-cs"/>
       </a:defRPr>
     </a:lvl6pPr>
-    <a:lvl7pPr marL="672602" algn="l" defTabSz="224201" rtl="0" eaLnBrk="1" latinLnBrk="0" hangingPunct="1">
-      <a:defRPr kumimoji="1" sz="441" kern="1200">
+    <a:lvl7pPr marL="653769" algn="l" defTabSz="217923" rtl="0" eaLnBrk="1" latinLnBrk="0" hangingPunct="1">
+      <a:defRPr kumimoji="1" sz="429" kern="1200">
         <a:solidFill>
           <a:schemeClr val="tx1"/>
         </a:solidFill>
@@ -87,8 +87,8 @@
         <a:cs typeface="+mn-cs"/>
       </a:defRPr>
     </a:lvl7pPr>
-    <a:lvl8pPr marL="784702" algn="l" defTabSz="224201" rtl="0" eaLnBrk="1" latinLnBrk="0" hangingPunct="1">
-      <a:defRPr kumimoji="1" sz="441" kern="1200">
+    <a:lvl8pPr marL="762730" algn="l" defTabSz="217923" rtl="0" eaLnBrk="1" latinLnBrk="0" hangingPunct="1">
+      <a:defRPr kumimoji="1" sz="429" kern="1200">
         <a:solidFill>
           <a:schemeClr val="tx1"/>
         </a:solidFill>
@@ -97,8 +97,8 @@
         <a:cs typeface="+mn-cs"/>
       </a:defRPr>
     </a:lvl8pPr>
-    <a:lvl9pPr marL="896802" algn="l" defTabSz="224201" rtl="0" eaLnBrk="1" latinLnBrk="0" hangingPunct="1">
-      <a:defRPr kumimoji="1" sz="441" kern="1200">
+    <a:lvl9pPr marL="871692" algn="l" defTabSz="217923" rtl="0" eaLnBrk="1" latinLnBrk="0" hangingPunct="1">
+      <a:defRPr kumimoji="1" sz="429" kern="1200">
         <a:solidFill>
           <a:schemeClr val="tx1"/>
         </a:solidFill>
@@ -180,7 +180,7 @@
             <c:numRef>
               <c:f>Sheet1!$U$11:$V$11</c:f>
               <c:numCache>
-                <c:formatCode>0.00000_ </c:formatCode>
+                <c:formatCode>#,##0.0000_ </c:formatCode>
                 <c:ptCount val="2"/>
                 <c:pt idx="0">
                   <c:v>3.5061666666666671</c:v>
@@ -193,7 +193,7 @@
           </c:val>
           <c:extLst>
             <c:ext xmlns:c16="http://schemas.microsoft.com/office/drawing/2014/chart" uri="{C3380CC4-5D6E-409C-BE32-E72D297353CC}">
-              <c16:uniqueId val="{00000000-9DA1-442D-B53E-6D0392CA770A}"/>
+              <c16:uniqueId val="{00000000-57CD-4534-9B69-325EB00C5A2C}"/>
             </c:ext>
           </c:extLst>
         </c:ser>
@@ -239,7 +239,7 @@
             <c:numRef>
               <c:f>Sheet1!$U$12:$V$12</c:f>
               <c:numCache>
-                <c:formatCode>0.00000_ </c:formatCode>
+                <c:formatCode>#,##0.0000_ </c:formatCode>
                 <c:ptCount val="2"/>
                 <c:pt idx="0">
                   <c:v>3.4754999999999998</c:v>
@@ -252,7 +252,7 @@
           </c:val>
           <c:extLst>
             <c:ext xmlns:c16="http://schemas.microsoft.com/office/drawing/2014/chart" uri="{C3380CC4-5D6E-409C-BE32-E72D297353CC}">
-              <c16:uniqueId val="{00000001-9DA1-442D-B53E-6D0392CA770A}"/>
+              <c16:uniqueId val="{00000001-57CD-4534-9B69-325EB00C5A2C}"/>
             </c:ext>
           </c:extLst>
         </c:ser>
@@ -272,10 +272,9 @@
           </c:tx>
           <c:spPr>
             <a:solidFill>
-              <a:srgbClr val="FF0000">
-                <a:lumMod val="20000"/>
-                <a:lumOff val="80000"/>
-              </a:srgbClr>
+              <a:schemeClr val="accent2">
+                <a:tint val="65000"/>
+              </a:schemeClr>
             </a:solidFill>
             <a:ln>
               <a:noFill/>
@@ -301,10 +300,10 @@
             <c:numRef>
               <c:f>Sheet1!$U$13:$V$13</c:f>
               <c:numCache>
-                <c:formatCode>0.00000_ </c:formatCode>
+                <c:formatCode>#,##0.0000_ </c:formatCode>
                 <c:ptCount val="2"/>
                 <c:pt idx="0">
-                  <c:v>0.96899999999999986</c:v>
+                  <c:v>1</c:v>
                 </c:pt>
                 <c:pt idx="1">
                   <c:v>0.44940000000000008</c:v>
@@ -314,7 +313,7 @@
           </c:val>
           <c:extLst>
             <c:ext xmlns:c16="http://schemas.microsoft.com/office/drawing/2014/chart" uri="{C3380CC4-5D6E-409C-BE32-E72D297353CC}">
-              <c16:uniqueId val="{00000002-9DA1-442D-B53E-6D0392CA770A}"/>
+              <c16:uniqueId val="{00000002-57CD-4534-9B69-325EB00C5A2C}"/>
             </c:ext>
           </c:extLst>
         </c:ser>
@@ -410,23 +409,29 @@
               <a:lstStyle/>
               <a:p>
                 <a:pPr>
-                  <a:defRPr sz="1100" b="0" i="0" u="none" strike="noStrike" kern="1200" baseline="0">
+                  <a:defRPr sz="1600" b="0" i="0" u="none" strike="noStrike" kern="1200" baseline="0">
                     <a:solidFill>
                       <a:schemeClr val="tx1">
                         <a:lumMod val="65000"/>
                         <a:lumOff val="35000"/>
                       </a:schemeClr>
                     </a:solidFill>
-                    <a:latin typeface="+mn-lt"/>
+                    <a:latin typeface="+mn-ea"/>
                     <a:ea typeface="+mn-ea"/>
                     <a:cs typeface="+mn-cs"/>
                   </a:defRPr>
                 </a:pPr>
                 <a:r>
-                  <a:rPr lang="en-US" altLang="ja-JP" sz="1100"/>
+                  <a:rPr lang="en-US" altLang="ja-JP" sz="1600">
+                    <a:latin typeface="+mn-ea"/>
+                    <a:ea typeface="+mn-ea"/>
+                  </a:rPr>
                   <a:t>execution time [s]</a:t>
                 </a:r>
-                <a:endParaRPr lang="ja-JP" altLang="en-US" sz="1100"/>
+                <a:endParaRPr lang="ja-JP" altLang="en-US" sz="1600">
+                  <a:latin typeface="+mn-ea"/>
+                  <a:ea typeface="+mn-ea"/>
+                </a:endParaRPr>
               </a:p>
             </c:rich>
           </c:tx>
@@ -434,8 +439,8 @@
             <c:manualLayout>
               <c:xMode val="edge"/>
               <c:yMode val="edge"/>
-              <c:x val="5.2616523714002446E-2"/>
-              <c:y val="0.25893554072072511"/>
+              <c:x val="9.7045883624820126E-2"/>
+              <c:y val="1.3839639726171924E-2"/>
             </c:manualLayout>
           </c:layout>
           <c:overlay val="0"/>
@@ -451,14 +456,14 @@
             <a:lstStyle/>
             <a:p>
               <a:pPr>
-                <a:defRPr sz="1100" b="0" i="0" u="none" strike="noStrike" kern="1200" baseline="0">
+                <a:defRPr sz="1600" b="0" i="0" u="none" strike="noStrike" kern="1200" baseline="0">
                   <a:solidFill>
                     <a:schemeClr val="tx1">
                       <a:lumMod val="65000"/>
                       <a:lumOff val="35000"/>
                     </a:schemeClr>
                   </a:solidFill>
-                  <a:latin typeface="+mn-lt"/>
+                  <a:latin typeface="+mn-ea"/>
                   <a:ea typeface="+mn-ea"/>
                   <a:cs typeface="+mn-cs"/>
                 </a:defRPr>
@@ -467,7 +472,7 @@
             </a:p>
           </c:txPr>
         </c:title>
-        <c:numFmt formatCode="0_ " sourceLinked="0"/>
+        <c:numFmt formatCode="#,##0_ " sourceLinked="0"/>
         <c:majorTickMark val="none"/>
         <c:minorTickMark val="none"/>
         <c:tickLblPos val="nextTo"/>
@@ -483,7 +488,7 @@
           <a:lstStyle/>
           <a:p>
             <a:pPr>
-              <a:defRPr sz="900" b="0" i="0" u="none" strike="noStrike" kern="1200" baseline="0">
+              <a:defRPr sz="1400" b="0" i="0" u="none" strike="noStrike" kern="1200" baseline="0">
                 <a:solidFill>
                   <a:schemeClr val="tx1">
                     <a:lumMod val="65000"/>
@@ -525,7 +530,7 @@
           <a:lstStyle/>
           <a:p>
             <a:pPr rtl="0">
-              <a:defRPr sz="900" b="0" i="0" u="none" strike="noStrike" kern="1200" baseline="0">
+              <a:defRPr sz="1200" b="0" i="0" u="none" strike="noStrike" kern="1200" baseline="0">
                 <a:solidFill>
                   <a:schemeClr val="tx1">
                     <a:lumMod val="65000"/>
@@ -1169,7 +1174,7 @@
           <a:p>
             <a:fld id="{7F0095D0-A9E1-4B64-AAAF-C179389DF804}" type="datetimeFigureOut">
               <a:rPr kumimoji="1" lang="ja-JP" altLang="en-US" smtClean="0"/>
-              <a:t>2017/4/4</a:t>
+              <a:t>2017/6/2</a:t>
             </a:fld>
             <a:endParaRPr kumimoji="1" lang="ja-JP" altLang="en-US"/>
           </a:p>
@@ -1187,8 +1192,8 @@
         </p:nvSpPr>
         <p:spPr>
           <a:xfrm>
-            <a:off x="1062038" y="1143000"/>
-            <a:ext cx="4733925" cy="3086100"/>
+            <a:off x="731838" y="1143000"/>
+            <a:ext cx="5394325" cy="3086100"/>
           </a:xfrm>
           <a:prstGeom prst="rect">
             <a:avLst/>
@@ -1375,8 +1380,8 @@
   </p:cSld>
   <p:clrMap bg1="lt1" tx1="dk1" bg2="lt2" tx2="dk2" accent1="accent1" accent2="accent2" accent3="accent3" accent4="accent4" accent5="accent5" accent6="accent6" hlink="hlink" folHlink="folHlink"/>
   <p:notesStyle>
-    <a:lvl1pPr marL="0" algn="l" defTabSz="224201" rtl="0" eaLnBrk="1" latinLnBrk="0" hangingPunct="1">
-      <a:defRPr kumimoji="1" sz="294" kern="1200">
+    <a:lvl1pPr marL="0" algn="l" defTabSz="217923" rtl="0" eaLnBrk="1" latinLnBrk="0" hangingPunct="1">
+      <a:defRPr kumimoji="1" sz="286" kern="1200">
         <a:solidFill>
           <a:schemeClr val="tx1"/>
         </a:solidFill>
@@ -1385,8 +1390,8 @@
         <a:cs typeface="+mn-cs"/>
       </a:defRPr>
     </a:lvl1pPr>
-    <a:lvl2pPr marL="112100" algn="l" defTabSz="224201" rtl="0" eaLnBrk="1" latinLnBrk="0" hangingPunct="1">
-      <a:defRPr kumimoji="1" sz="294" kern="1200">
+    <a:lvl2pPr marL="108961" algn="l" defTabSz="217923" rtl="0" eaLnBrk="1" latinLnBrk="0" hangingPunct="1">
+      <a:defRPr kumimoji="1" sz="286" kern="1200">
         <a:solidFill>
           <a:schemeClr val="tx1"/>
         </a:solidFill>
@@ -1395,8 +1400,8 @@
         <a:cs typeface="+mn-cs"/>
       </a:defRPr>
     </a:lvl2pPr>
-    <a:lvl3pPr marL="224201" algn="l" defTabSz="224201" rtl="0" eaLnBrk="1" latinLnBrk="0" hangingPunct="1">
-      <a:defRPr kumimoji="1" sz="294" kern="1200">
+    <a:lvl3pPr marL="217923" algn="l" defTabSz="217923" rtl="0" eaLnBrk="1" latinLnBrk="0" hangingPunct="1">
+      <a:defRPr kumimoji="1" sz="286" kern="1200">
         <a:solidFill>
           <a:schemeClr val="tx1"/>
         </a:solidFill>
@@ -1405,8 +1410,8 @@
         <a:cs typeface="+mn-cs"/>
       </a:defRPr>
     </a:lvl3pPr>
-    <a:lvl4pPr marL="336301" algn="l" defTabSz="224201" rtl="0" eaLnBrk="1" latinLnBrk="0" hangingPunct="1">
-      <a:defRPr kumimoji="1" sz="294" kern="1200">
+    <a:lvl4pPr marL="326885" algn="l" defTabSz="217923" rtl="0" eaLnBrk="1" latinLnBrk="0" hangingPunct="1">
+      <a:defRPr kumimoji="1" sz="286" kern="1200">
         <a:solidFill>
           <a:schemeClr val="tx1"/>
         </a:solidFill>
@@ -1415,8 +1420,8 @@
         <a:cs typeface="+mn-cs"/>
       </a:defRPr>
     </a:lvl4pPr>
-    <a:lvl5pPr marL="448401" algn="l" defTabSz="224201" rtl="0" eaLnBrk="1" latinLnBrk="0" hangingPunct="1">
-      <a:defRPr kumimoji="1" sz="294" kern="1200">
+    <a:lvl5pPr marL="435846" algn="l" defTabSz="217923" rtl="0" eaLnBrk="1" latinLnBrk="0" hangingPunct="1">
+      <a:defRPr kumimoji="1" sz="286" kern="1200">
         <a:solidFill>
           <a:schemeClr val="tx1"/>
         </a:solidFill>
@@ -1425,8 +1430,8 @@
         <a:cs typeface="+mn-cs"/>
       </a:defRPr>
     </a:lvl5pPr>
-    <a:lvl6pPr marL="560501" algn="l" defTabSz="224201" rtl="0" eaLnBrk="1" latinLnBrk="0" hangingPunct="1">
-      <a:defRPr kumimoji="1" sz="294" kern="1200">
+    <a:lvl6pPr marL="544807" algn="l" defTabSz="217923" rtl="0" eaLnBrk="1" latinLnBrk="0" hangingPunct="1">
+      <a:defRPr kumimoji="1" sz="286" kern="1200">
         <a:solidFill>
           <a:schemeClr val="tx1"/>
         </a:solidFill>
@@ -1435,8 +1440,8 @@
         <a:cs typeface="+mn-cs"/>
       </a:defRPr>
     </a:lvl6pPr>
-    <a:lvl7pPr marL="672602" algn="l" defTabSz="224201" rtl="0" eaLnBrk="1" latinLnBrk="0" hangingPunct="1">
-      <a:defRPr kumimoji="1" sz="294" kern="1200">
+    <a:lvl7pPr marL="653769" algn="l" defTabSz="217923" rtl="0" eaLnBrk="1" latinLnBrk="0" hangingPunct="1">
+      <a:defRPr kumimoji="1" sz="286" kern="1200">
         <a:solidFill>
           <a:schemeClr val="tx1"/>
         </a:solidFill>
@@ -1445,8 +1450,8 @@
         <a:cs typeface="+mn-cs"/>
       </a:defRPr>
     </a:lvl7pPr>
-    <a:lvl8pPr marL="784702" algn="l" defTabSz="224201" rtl="0" eaLnBrk="1" latinLnBrk="0" hangingPunct="1">
-      <a:defRPr kumimoji="1" sz="294" kern="1200">
+    <a:lvl8pPr marL="762730" algn="l" defTabSz="217923" rtl="0" eaLnBrk="1" latinLnBrk="0" hangingPunct="1">
+      <a:defRPr kumimoji="1" sz="286" kern="1200">
         <a:solidFill>
           <a:schemeClr val="tx1"/>
         </a:solidFill>
@@ -1455,8 +1460,8 @@
         <a:cs typeface="+mn-cs"/>
       </a:defRPr>
     </a:lvl8pPr>
-    <a:lvl9pPr marL="896802" algn="l" defTabSz="224201" rtl="0" eaLnBrk="1" latinLnBrk="0" hangingPunct="1">
-      <a:defRPr kumimoji="1" sz="294" kern="1200">
+    <a:lvl9pPr marL="871692" algn="l" defTabSz="217923" rtl="0" eaLnBrk="1" latinLnBrk="0" hangingPunct="1">
+      <a:defRPr kumimoji="1" sz="286" kern="1200">
         <a:solidFill>
           <a:schemeClr val="tx1"/>
         </a:solidFill>
@@ -1498,8 +1503,8 @@
         </p:nvSpPr>
         <p:spPr>
           <a:xfrm>
-            <a:off x="1062038" y="1143000"/>
-            <a:ext cx="4733925" cy="3086100"/>
+            <a:off x="731838" y="1143000"/>
+            <a:ext cx="5394325" cy="3086100"/>
           </a:xfrm>
         </p:spPr>
       </p:sp>
@@ -1651,15 +1656,15 @@
         </p:nvSpPr>
         <p:spPr>
           <a:xfrm>
-            <a:off x="693937" y="592099"/>
-            <a:ext cx="4163615" cy="1259570"/>
+            <a:off x="585987" y="438814"/>
+            <a:ext cx="3515916" cy="933486"/>
           </a:xfrm>
         </p:spPr>
         <p:txBody>
           <a:bodyPr anchor="b"/>
           <a:lstStyle>
             <a:lvl1pPr algn="ctr">
-              <a:defRPr sz="33177"/>
+              <a:defRPr sz="59586"/>
             </a:lvl1pPr>
           </a:lstStyle>
           <a:p>
@@ -1683,8 +1688,8 @@
         </p:nvSpPr>
         <p:spPr>
           <a:xfrm>
-            <a:off x="693937" y="1900245"/>
-            <a:ext cx="4163615" cy="873491"/>
+            <a:off x="585987" y="1408300"/>
+            <a:ext cx="3515916" cy="647357"/>
           </a:xfrm>
         </p:spPr>
         <p:txBody>
@@ -1692,39 +1697,39 @@
           <a:lstStyle>
             <a:lvl1pPr marL="0" indent="0" algn="ctr">
               <a:buNone/>
-              <a:defRPr sz="13272"/>
+              <a:defRPr sz="23837"/>
             </a:lvl1pPr>
-            <a:lvl2pPr marL="2528126" indent="0" algn="ctr">
+            <a:lvl2pPr marL="4540514" indent="0" algn="ctr">
               <a:buNone/>
-              <a:defRPr sz="11063"/>
+              <a:defRPr sz="19869"/>
             </a:lvl2pPr>
-            <a:lvl3pPr marL="5056249" indent="0" algn="ctr">
+            <a:lvl3pPr marL="9081023" indent="0" algn="ctr">
               <a:buNone/>
-              <a:defRPr sz="9956"/>
+              <a:defRPr sz="17881"/>
             </a:lvl3pPr>
-            <a:lvl4pPr marL="7584369" indent="0" algn="ctr">
+            <a:lvl4pPr marL="13621527" indent="0" algn="ctr">
               <a:buNone/>
-              <a:defRPr sz="8848"/>
+              <a:defRPr sz="15891"/>
             </a:lvl4pPr>
-            <a:lvl5pPr marL="10112495" indent="0" algn="ctr">
+            <a:lvl5pPr marL="18162041" indent="0" algn="ctr">
               <a:buNone/>
-              <a:defRPr sz="8848"/>
+              <a:defRPr sz="15891"/>
             </a:lvl5pPr>
-            <a:lvl6pPr marL="12640618" indent="0" algn="ctr">
+            <a:lvl6pPr marL="22702550" indent="0" algn="ctr">
               <a:buNone/>
-              <a:defRPr sz="8848"/>
+              <a:defRPr sz="15891"/>
             </a:lvl6pPr>
-            <a:lvl7pPr marL="15168738" indent="0" algn="ctr">
+            <a:lvl7pPr marL="27243053" indent="0" algn="ctr">
               <a:buNone/>
-              <a:defRPr sz="8848"/>
+              <a:defRPr sz="15891"/>
             </a:lvl7pPr>
-            <a:lvl8pPr marL="17696867" indent="0" algn="ctr">
+            <a:lvl8pPr marL="31783573" indent="0" algn="ctr">
               <a:buNone/>
-              <a:defRPr sz="8848"/>
+              <a:defRPr sz="15891"/>
             </a:lvl8pPr>
-            <a:lvl9pPr marL="20224987" indent="0" algn="ctr">
+            <a:lvl9pPr marL="36324077" indent="0" algn="ctr">
               <a:buNone/>
-              <a:defRPr sz="8848"/>
+              <a:defRPr sz="15891"/>
             </a:lvl9pPr>
           </a:lstStyle>
           <a:p>
@@ -1753,7 +1758,7 @@
           <a:p>
             <a:fld id="{05B1DBB0-D0CE-4499-8A6D-C73AC9430D35}" type="datetimeFigureOut">
               <a:rPr kumimoji="1" lang="ja-JP" altLang="en-US" smtClean="0"/>
-              <a:t>2017/4/4</a:t>
+              <a:t>2017/6/2</a:t>
             </a:fld>
             <a:endParaRPr kumimoji="1" lang="ja-JP" altLang="en-US"/>
           </a:p>
@@ -1955,7 +1960,7 @@
           <a:p>
             <a:fld id="{05B1DBB0-D0CE-4499-8A6D-C73AC9430D35}" type="datetimeFigureOut">
               <a:rPr kumimoji="1" lang="ja-JP" altLang="en-US" smtClean="0"/>
-              <a:t>2017/4/4</a:t>
+              <a:t>2017/6/2</a:t>
             </a:fld>
             <a:endParaRPr kumimoji="1" lang="ja-JP" altLang="en-US"/>
           </a:p>
@@ -2045,8 +2050,8 @@
         </p:nvSpPr>
         <p:spPr>
           <a:xfrm>
-            <a:off x="3972784" y="192620"/>
-            <a:ext cx="1197040" cy="3066014"/>
+            <a:off x="3354771" y="142754"/>
+            <a:ext cx="1010826" cy="2272268"/>
           </a:xfrm>
         </p:spPr>
         <p:txBody>
@@ -2073,8 +2078,8 @@
         </p:nvSpPr>
         <p:spPr>
           <a:xfrm>
-            <a:off x="381665" y="192620"/>
-            <a:ext cx="3521726" cy="3066014"/>
+            <a:off x="322294" y="142754"/>
+            <a:ext cx="2973880" cy="2272268"/>
           </a:xfrm>
         </p:spPr>
         <p:txBody>
@@ -2167,7 +2172,7 @@
           <a:p>
             <a:fld id="{05B1DBB0-D0CE-4499-8A6D-C73AC9430D35}" type="datetimeFigureOut">
               <a:rPr kumimoji="1" lang="ja-JP" altLang="en-US" smtClean="0"/>
-              <a:t>2017/4/4</a:t>
+              <a:t>2017/6/2</a:t>
             </a:fld>
             <a:endParaRPr kumimoji="1" lang="ja-JP" altLang="en-US"/>
           </a:p>
@@ -2257,8 +2262,8 @@
         </p:nvSpPr>
         <p:spPr>
           <a:xfrm>
-            <a:off x="416713" y="1121557"/>
-            <a:ext cx="4722730" cy="276999"/>
+            <a:off x="351890" y="831204"/>
+            <a:ext cx="3988053" cy="276999"/>
           </a:xfrm>
           <a:prstGeom prst="rect">
             <a:avLst/>
@@ -2290,8 +2295,8 @@
         </p:nvSpPr>
         <p:spPr>
           <a:xfrm>
-            <a:off x="833423" y="2026037"/>
-            <a:ext cx="3889307" cy="276999"/>
+            <a:off x="703777" y="1501526"/>
+            <a:ext cx="3284279" cy="276999"/>
           </a:xfrm>
           <a:prstGeom prst="rect">
             <a:avLst/>
@@ -2367,7 +2372,7 @@
           <a:p>
             <a:fld id="{1D8BD707-D9CF-40AE-B4C6-C98DA3205C09}" type="datetimeFigureOut">
               <a:rPr lang="en-US"/>
-              <a:t>4/4/2017</a:t>
+              <a:t>6/2/2017</a:t>
             </a:fld>
             <a:endParaRPr lang="en-US"/>
           </a:p>
@@ -2537,7 +2542,7 @@
           <a:p>
             <a:fld id="{1D8BD707-D9CF-40AE-B4C6-C98DA3205C09}" type="datetimeFigureOut">
               <a:rPr lang="en-US"/>
-              <a:t>4/4/2017</a:t>
+              <a:t>6/2/2017</a:t>
             </a:fld>
             <a:endParaRPr lang="en-US"/>
           </a:p>
@@ -2640,8 +2645,8 @@
         </p:nvSpPr>
         <p:spPr>
           <a:xfrm>
-            <a:off x="277810" y="832122"/>
-            <a:ext cx="2416925" cy="276999"/>
+            <a:off x="234596" y="616699"/>
+            <a:ext cx="2040943" cy="276999"/>
           </a:xfrm>
           <a:prstGeom prst="rect">
             <a:avLst/>
@@ -2673,8 +2678,8 @@
         </p:nvSpPr>
         <p:spPr>
           <a:xfrm>
-            <a:off x="2861420" y="832122"/>
-            <a:ext cx="2416925" cy="276999"/>
+            <a:off x="2416295" y="616699"/>
+            <a:ext cx="2040943" cy="276999"/>
           </a:xfrm>
           <a:prstGeom prst="rect">
             <a:avLst/>
@@ -2750,7 +2755,7 @@
           <a:p>
             <a:fld id="{1D8BD707-D9CF-40AE-B4C6-C98DA3205C09}" type="datetimeFigureOut">
               <a:rPr lang="en-US"/>
-              <a:t>4/4/2017</a:t>
+              <a:t>6/2/2017</a:t>
             </a:fld>
             <a:endParaRPr lang="en-US"/>
           </a:p>
@@ -2897,7 +2902,7 @@
           <a:p>
             <a:fld id="{1D8BD707-D9CF-40AE-B4C6-C98DA3205C09}" type="datetimeFigureOut">
               <a:rPr lang="en-US"/>
-              <a:t>4/4/2017</a:t>
+              <a:t>6/2/2017</a:t>
             </a:fld>
             <a:endParaRPr lang="en-US"/>
           </a:p>
@@ -3021,7 +3026,7 @@
           <a:p>
             <a:fld id="{1D8BD707-D9CF-40AE-B4C6-C98DA3205C09}" type="datetimeFigureOut">
               <a:rPr lang="en-US"/>
-              <a:t>4/4/2017</a:t>
+              <a:t>6/2/2017</a:t>
             </a:fld>
             <a:endParaRPr lang="en-US"/>
           </a:p>
@@ -3220,7 +3225,7 @@
           <a:p>
             <a:fld id="{05B1DBB0-D0CE-4499-8A6D-C73AC9430D35}" type="datetimeFigureOut">
               <a:rPr kumimoji="1" lang="ja-JP" altLang="en-US" smtClean="0"/>
-              <a:t>2017/4/4</a:t>
+              <a:t>2017/6/2</a:t>
             </a:fld>
             <a:endParaRPr kumimoji="1" lang="ja-JP" altLang="en-US"/>
           </a:p>
@@ -3310,15 +3315,15 @@
         </p:nvSpPr>
         <p:spPr>
           <a:xfrm>
-            <a:off x="378774" y="901968"/>
-            <a:ext cx="4788158" cy="1504951"/>
+            <a:off x="319850" y="668462"/>
+            <a:ext cx="4043304" cy="1115341"/>
           </a:xfrm>
         </p:spPr>
         <p:txBody>
           <a:bodyPr anchor="b"/>
           <a:lstStyle>
             <a:lvl1pPr>
-              <a:defRPr sz="33177"/>
+              <a:defRPr sz="59586"/>
             </a:lvl1pPr>
           </a:lstStyle>
           <a:p>
@@ -3342,8 +3347,8 @@
         </p:nvSpPr>
         <p:spPr>
           <a:xfrm>
-            <a:off x="378774" y="2421156"/>
-            <a:ext cx="4788158" cy="791418"/>
+            <a:off x="319850" y="1794355"/>
+            <a:ext cx="4043304" cy="586531"/>
           </a:xfrm>
         </p:spPr>
         <p:txBody>
@@ -3351,7 +3356,7 @@
           <a:lstStyle>
             <a:lvl1pPr marL="0" indent="0">
               <a:buNone/>
-              <a:defRPr sz="13272">
+              <a:defRPr sz="23837">
                 <a:solidFill>
                   <a:schemeClr val="tx1">
                     <a:tint val="75000"/>
@@ -3359,9 +3364,9 @@
                 </a:solidFill>
               </a:defRPr>
             </a:lvl1pPr>
-            <a:lvl2pPr marL="2528126" indent="0">
+            <a:lvl2pPr marL="4540514" indent="0">
               <a:buNone/>
-              <a:defRPr sz="11063">
+              <a:defRPr sz="19869">
                 <a:solidFill>
                   <a:schemeClr val="tx1">
                     <a:tint val="75000"/>
@@ -3369,9 +3374,9 @@
                 </a:solidFill>
               </a:defRPr>
             </a:lvl2pPr>
-            <a:lvl3pPr marL="5056249" indent="0">
+            <a:lvl3pPr marL="9081023" indent="0">
               <a:buNone/>
-              <a:defRPr sz="9956">
+              <a:defRPr sz="17881">
                 <a:solidFill>
                   <a:schemeClr val="tx1">
                     <a:tint val="75000"/>
@@ -3379,9 +3384,9 @@
                 </a:solidFill>
               </a:defRPr>
             </a:lvl3pPr>
-            <a:lvl4pPr marL="7584369" indent="0">
+            <a:lvl4pPr marL="13621527" indent="0">
               <a:buNone/>
-              <a:defRPr sz="8848">
+              <a:defRPr sz="15891">
                 <a:solidFill>
                   <a:schemeClr val="tx1">
                     <a:tint val="75000"/>
@@ -3389,9 +3394,9 @@
                 </a:solidFill>
               </a:defRPr>
             </a:lvl4pPr>
-            <a:lvl5pPr marL="10112495" indent="0">
+            <a:lvl5pPr marL="18162041" indent="0">
               <a:buNone/>
-              <a:defRPr sz="8848">
+              <a:defRPr sz="15891">
                 <a:solidFill>
                   <a:schemeClr val="tx1">
                     <a:tint val="75000"/>
@@ -3399,9 +3404,9 @@
                 </a:solidFill>
               </a:defRPr>
             </a:lvl5pPr>
-            <a:lvl6pPr marL="12640618" indent="0">
+            <a:lvl6pPr marL="22702550" indent="0">
               <a:buNone/>
-              <a:defRPr sz="8848">
+              <a:defRPr sz="15891">
                 <a:solidFill>
                   <a:schemeClr val="tx1">
                     <a:tint val="75000"/>
@@ -3409,9 +3414,9 @@
                 </a:solidFill>
               </a:defRPr>
             </a:lvl6pPr>
-            <a:lvl7pPr marL="15168738" indent="0">
+            <a:lvl7pPr marL="27243053" indent="0">
               <a:buNone/>
-              <a:defRPr sz="8848">
+              <a:defRPr sz="15891">
                 <a:solidFill>
                   <a:schemeClr val="tx1">
                     <a:tint val="75000"/>
@@ -3419,9 +3424,9 @@
                 </a:solidFill>
               </a:defRPr>
             </a:lvl7pPr>
-            <a:lvl8pPr marL="17696867" indent="0">
+            <a:lvl8pPr marL="31783573" indent="0">
               <a:buNone/>
-              <a:defRPr sz="8848">
+              <a:defRPr sz="15891">
                 <a:solidFill>
                   <a:schemeClr val="tx1">
                     <a:tint val="75000"/>
@@ -3429,9 +3434,9 @@
                 </a:solidFill>
               </a:defRPr>
             </a:lvl8pPr>
-            <a:lvl9pPr marL="20224987" indent="0">
+            <a:lvl9pPr marL="36324077" indent="0">
               <a:buNone/>
-              <a:defRPr sz="8848">
+              <a:defRPr sz="15891">
                 <a:solidFill>
                   <a:schemeClr val="tx1">
                     <a:tint val="75000"/>
@@ -3466,7 +3471,7 @@
           <a:p>
             <a:fld id="{05B1DBB0-D0CE-4499-8A6D-C73AC9430D35}" type="datetimeFigureOut">
               <a:rPr kumimoji="1" lang="ja-JP" altLang="en-US" smtClean="0"/>
-              <a:t>2017/4/4</a:t>
+              <a:t>2017/6/2</a:t>
             </a:fld>
             <a:endParaRPr kumimoji="1" lang="ja-JP" altLang="en-US"/>
           </a:p>
@@ -3579,8 +3584,8 @@
         </p:nvSpPr>
         <p:spPr>
           <a:xfrm>
-            <a:off x="381667" y="963105"/>
-            <a:ext cx="2359382" cy="2295533"/>
+            <a:off x="322294" y="713772"/>
+            <a:ext cx="1992352" cy="1701252"/>
           </a:xfrm>
         </p:spPr>
         <p:txBody>
@@ -3668,8 +3673,8 @@
         </p:nvSpPr>
         <p:spPr>
           <a:xfrm>
-            <a:off x="2810443" y="963105"/>
-            <a:ext cx="2359382" cy="2295533"/>
+            <a:off x="2373245" y="713772"/>
+            <a:ext cx="1992352" cy="1701252"/>
           </a:xfrm>
         </p:spPr>
         <p:txBody>
@@ -3762,7 +3767,7 @@
           <a:p>
             <a:fld id="{05B1DBB0-D0CE-4499-8A6D-C73AC9430D35}" type="datetimeFigureOut">
               <a:rPr kumimoji="1" lang="ja-JP" altLang="en-US" smtClean="0"/>
-              <a:t>2017/4/4</a:t>
+              <a:t>2017/6/2</a:t>
             </a:fld>
             <a:endParaRPr kumimoji="1" lang="ja-JP" altLang="en-US"/>
           </a:p>
@@ -3852,8 +3857,8 @@
         </p:nvSpPr>
         <p:spPr>
           <a:xfrm>
-            <a:off x="382390" y="192621"/>
-            <a:ext cx="4788158" cy="699296"/>
+            <a:off x="322904" y="142755"/>
+            <a:ext cx="4043304" cy="518258"/>
           </a:xfrm>
         </p:spPr>
         <p:txBody>
@@ -3880,8 +3885,8 @@
         </p:nvSpPr>
         <p:spPr>
           <a:xfrm>
-            <a:off x="382390" y="886892"/>
-            <a:ext cx="2348539" cy="434652"/>
+            <a:off x="322905" y="657289"/>
+            <a:ext cx="1983196" cy="322127"/>
           </a:xfrm>
         </p:spPr>
         <p:txBody>
@@ -3889,39 +3894,39 @@
           <a:lstStyle>
             <a:lvl1pPr marL="0" indent="0">
               <a:buNone/>
-              <a:defRPr sz="13272" b="1"/>
+              <a:defRPr sz="23837" b="1"/>
             </a:lvl1pPr>
-            <a:lvl2pPr marL="2528126" indent="0">
+            <a:lvl2pPr marL="4540514" indent="0">
               <a:buNone/>
-              <a:defRPr sz="11063" b="1"/>
+              <a:defRPr sz="19869" b="1"/>
             </a:lvl2pPr>
-            <a:lvl3pPr marL="5056249" indent="0">
+            <a:lvl3pPr marL="9081023" indent="0">
               <a:buNone/>
-              <a:defRPr sz="9956" b="1"/>
+              <a:defRPr sz="17881" b="1"/>
             </a:lvl3pPr>
-            <a:lvl4pPr marL="7584369" indent="0">
+            <a:lvl4pPr marL="13621527" indent="0">
               <a:buNone/>
-              <a:defRPr sz="8848" b="1"/>
+              <a:defRPr sz="15891" b="1"/>
             </a:lvl4pPr>
-            <a:lvl5pPr marL="10112495" indent="0">
+            <a:lvl5pPr marL="18162041" indent="0">
               <a:buNone/>
-              <a:defRPr sz="8848" b="1"/>
+              <a:defRPr sz="15891" b="1"/>
             </a:lvl5pPr>
-            <a:lvl6pPr marL="12640618" indent="0">
+            <a:lvl6pPr marL="22702550" indent="0">
               <a:buNone/>
-              <a:defRPr sz="8848" b="1"/>
+              <a:defRPr sz="15891" b="1"/>
             </a:lvl6pPr>
-            <a:lvl7pPr marL="15168738" indent="0">
+            <a:lvl7pPr marL="27243053" indent="0">
               <a:buNone/>
-              <a:defRPr sz="8848" b="1"/>
+              <a:defRPr sz="15891" b="1"/>
             </a:lvl7pPr>
-            <a:lvl8pPr marL="17696867" indent="0">
+            <a:lvl8pPr marL="31783573" indent="0">
               <a:buNone/>
-              <a:defRPr sz="8848" b="1"/>
+              <a:defRPr sz="15891" b="1"/>
             </a:lvl8pPr>
-            <a:lvl9pPr marL="20224987" indent="0">
+            <a:lvl9pPr marL="36324077" indent="0">
               <a:buNone/>
-              <a:defRPr sz="8848" b="1"/>
+              <a:defRPr sz="15891" b="1"/>
             </a:lvl9pPr>
           </a:lstStyle>
           <a:p>
@@ -3945,8 +3950,8 @@
         </p:nvSpPr>
         <p:spPr>
           <a:xfrm>
-            <a:off x="382390" y="1321547"/>
-            <a:ext cx="2348539" cy="1943791"/>
+            <a:off x="322905" y="979419"/>
+            <a:ext cx="1983196" cy="1440572"/>
           </a:xfrm>
         </p:spPr>
         <p:txBody>
@@ -4034,8 +4039,8 @@
         </p:nvSpPr>
         <p:spPr>
           <a:xfrm>
-            <a:off x="2810444" y="886892"/>
-            <a:ext cx="2360105" cy="434652"/>
+            <a:off x="2373247" y="657289"/>
+            <a:ext cx="1992963" cy="322127"/>
           </a:xfrm>
         </p:spPr>
         <p:txBody>
@@ -4043,39 +4048,39 @@
           <a:lstStyle>
             <a:lvl1pPr marL="0" indent="0">
               <a:buNone/>
-              <a:defRPr sz="13272" b="1"/>
+              <a:defRPr sz="23837" b="1"/>
             </a:lvl1pPr>
-            <a:lvl2pPr marL="2528126" indent="0">
+            <a:lvl2pPr marL="4540514" indent="0">
               <a:buNone/>
-              <a:defRPr sz="11063" b="1"/>
+              <a:defRPr sz="19869" b="1"/>
             </a:lvl2pPr>
-            <a:lvl3pPr marL="5056249" indent="0">
+            <a:lvl3pPr marL="9081023" indent="0">
               <a:buNone/>
-              <a:defRPr sz="9956" b="1"/>
+              <a:defRPr sz="17881" b="1"/>
             </a:lvl3pPr>
-            <a:lvl4pPr marL="7584369" indent="0">
+            <a:lvl4pPr marL="13621527" indent="0">
               <a:buNone/>
-              <a:defRPr sz="8848" b="1"/>
+              <a:defRPr sz="15891" b="1"/>
             </a:lvl4pPr>
-            <a:lvl5pPr marL="10112495" indent="0">
+            <a:lvl5pPr marL="18162041" indent="0">
               <a:buNone/>
-              <a:defRPr sz="8848" b="1"/>
+              <a:defRPr sz="15891" b="1"/>
             </a:lvl5pPr>
-            <a:lvl6pPr marL="12640618" indent="0">
+            <a:lvl6pPr marL="22702550" indent="0">
               <a:buNone/>
-              <a:defRPr sz="8848" b="1"/>
+              <a:defRPr sz="15891" b="1"/>
             </a:lvl6pPr>
-            <a:lvl7pPr marL="15168738" indent="0">
+            <a:lvl7pPr marL="27243053" indent="0">
               <a:buNone/>
-              <a:defRPr sz="8848" b="1"/>
+              <a:defRPr sz="15891" b="1"/>
             </a:lvl7pPr>
-            <a:lvl8pPr marL="17696867" indent="0">
+            <a:lvl8pPr marL="31783573" indent="0">
               <a:buNone/>
-              <a:defRPr sz="8848" b="1"/>
+              <a:defRPr sz="15891" b="1"/>
             </a:lvl8pPr>
-            <a:lvl9pPr marL="20224987" indent="0">
+            <a:lvl9pPr marL="36324077" indent="0">
               <a:buNone/>
-              <a:defRPr sz="8848" b="1"/>
+              <a:defRPr sz="15891" b="1"/>
             </a:lvl9pPr>
           </a:lstStyle>
           <a:p>
@@ -4099,8 +4104,8 @@
         </p:nvSpPr>
         <p:spPr>
           <a:xfrm>
-            <a:off x="2810444" y="1321547"/>
-            <a:ext cx="2360105" cy="1943791"/>
+            <a:off x="2373247" y="979419"/>
+            <a:ext cx="1992963" cy="1440572"/>
           </a:xfrm>
         </p:spPr>
         <p:txBody>
@@ -4193,7 +4198,7 @@
           <a:p>
             <a:fld id="{05B1DBB0-D0CE-4499-8A6D-C73AC9430D35}" type="datetimeFigureOut">
               <a:rPr kumimoji="1" lang="ja-JP" altLang="en-US" smtClean="0"/>
-              <a:t>2017/4/4</a:t>
+              <a:t>2017/6/2</a:t>
             </a:fld>
             <a:endParaRPr kumimoji="1" lang="ja-JP" altLang="en-US"/>
           </a:p>
@@ -4311,7 +4316,7 @@
           <a:p>
             <a:fld id="{05B1DBB0-D0CE-4499-8A6D-C73AC9430D35}" type="datetimeFigureOut">
               <a:rPr kumimoji="1" lang="ja-JP" altLang="en-US" smtClean="0"/>
-              <a:t>2017/4/4</a:t>
+              <a:t>2017/6/2</a:t>
             </a:fld>
             <a:endParaRPr kumimoji="1" lang="ja-JP" altLang="en-US"/>
           </a:p>
@@ -4406,7 +4411,7 @@
           <a:p>
             <a:fld id="{05B1DBB0-D0CE-4499-8A6D-C73AC9430D35}" type="datetimeFigureOut">
               <a:rPr kumimoji="1" lang="ja-JP" altLang="en-US" smtClean="0"/>
-              <a:t>2017/4/4</a:t>
+              <a:t>2017/6/2</a:t>
             </a:fld>
             <a:endParaRPr kumimoji="1" lang="ja-JP" altLang="en-US"/>
           </a:p>
@@ -4496,15 +4501,15 @@
         </p:nvSpPr>
         <p:spPr>
           <a:xfrm>
-            <a:off x="382390" y="241195"/>
-            <a:ext cx="1790500" cy="844180"/>
+            <a:off x="322906" y="178753"/>
+            <a:ext cx="1511966" cy="625634"/>
           </a:xfrm>
         </p:spPr>
         <p:txBody>
           <a:bodyPr anchor="b"/>
           <a:lstStyle>
             <a:lvl1pPr>
-              <a:defRPr sz="17695"/>
+              <a:defRPr sz="31780"/>
             </a:lvl1pPr>
           </a:lstStyle>
           <a:p>
@@ -4528,39 +4533,39 @@
         </p:nvSpPr>
         <p:spPr>
           <a:xfrm>
-            <a:off x="2360106" y="520916"/>
-            <a:ext cx="2810441" cy="2571063"/>
+            <a:off x="1992966" y="386060"/>
+            <a:ext cx="2373243" cy="1905452"/>
           </a:xfrm>
         </p:spPr>
         <p:txBody>
           <a:bodyPr/>
           <a:lstStyle>
             <a:lvl1pPr>
-              <a:defRPr sz="17695"/>
+              <a:defRPr sz="31780"/>
             </a:lvl1pPr>
             <a:lvl2pPr>
-              <a:defRPr sz="15480"/>
+              <a:defRPr sz="27802"/>
             </a:lvl2pPr>
             <a:lvl3pPr>
-              <a:defRPr sz="13272"/>
+              <a:defRPr sz="23837"/>
             </a:lvl3pPr>
             <a:lvl4pPr>
-              <a:defRPr sz="11063"/>
+              <a:defRPr sz="19869"/>
             </a:lvl4pPr>
             <a:lvl5pPr>
-              <a:defRPr sz="11063"/>
+              <a:defRPr sz="19869"/>
             </a:lvl5pPr>
             <a:lvl6pPr>
-              <a:defRPr sz="11063"/>
+              <a:defRPr sz="19869"/>
             </a:lvl6pPr>
             <a:lvl7pPr>
-              <a:defRPr sz="11063"/>
+              <a:defRPr sz="19869"/>
             </a:lvl7pPr>
             <a:lvl8pPr>
-              <a:defRPr sz="11063"/>
+              <a:defRPr sz="19869"/>
             </a:lvl8pPr>
             <a:lvl9pPr>
-              <a:defRPr sz="11063"/>
+              <a:defRPr sz="19869"/>
             </a:lvl9pPr>
           </a:lstStyle>
           <a:p>
@@ -4645,8 +4650,8 @@
         </p:nvSpPr>
         <p:spPr>
           <a:xfrm>
-            <a:off x="382390" y="1085377"/>
-            <a:ext cx="1790500" cy="2010789"/>
+            <a:off x="322906" y="804388"/>
+            <a:ext cx="1511966" cy="1490226"/>
           </a:xfrm>
         </p:spPr>
         <p:txBody>
@@ -4654,39 +4659,39 @@
           <a:lstStyle>
             <a:lvl1pPr marL="0" indent="0">
               <a:buNone/>
-              <a:defRPr sz="8848"/>
+              <a:defRPr sz="15891"/>
             </a:lvl1pPr>
-            <a:lvl2pPr marL="2528126" indent="0">
+            <a:lvl2pPr marL="4540514" indent="0">
               <a:buNone/>
-              <a:defRPr sz="7741"/>
+              <a:defRPr sz="13903"/>
             </a:lvl2pPr>
-            <a:lvl3pPr marL="5056249" indent="0">
+            <a:lvl3pPr marL="9081023" indent="0">
               <a:buNone/>
-              <a:defRPr sz="6640"/>
+              <a:defRPr sz="11925"/>
             </a:lvl3pPr>
-            <a:lvl4pPr marL="7584369" indent="0">
+            <a:lvl4pPr marL="13621527" indent="0">
               <a:buNone/>
-              <a:defRPr sz="5531"/>
+              <a:defRPr sz="9934"/>
             </a:lvl4pPr>
-            <a:lvl5pPr marL="10112495" indent="0">
+            <a:lvl5pPr marL="18162041" indent="0">
               <a:buNone/>
-              <a:defRPr sz="5531"/>
+              <a:defRPr sz="9934"/>
             </a:lvl5pPr>
-            <a:lvl6pPr marL="12640618" indent="0">
+            <a:lvl6pPr marL="22702550" indent="0">
               <a:buNone/>
-              <a:defRPr sz="5531"/>
+              <a:defRPr sz="9934"/>
             </a:lvl6pPr>
-            <a:lvl7pPr marL="15168738" indent="0">
+            <a:lvl7pPr marL="27243053" indent="0">
               <a:buNone/>
-              <a:defRPr sz="5531"/>
+              <a:defRPr sz="9934"/>
             </a:lvl7pPr>
-            <a:lvl8pPr marL="17696867" indent="0">
+            <a:lvl8pPr marL="31783573" indent="0">
               <a:buNone/>
-              <a:defRPr sz="5531"/>
+              <a:defRPr sz="9934"/>
             </a:lvl8pPr>
-            <a:lvl9pPr marL="20224987" indent="0">
+            <a:lvl9pPr marL="36324077" indent="0">
               <a:buNone/>
-              <a:defRPr sz="5531"/>
+              <a:defRPr sz="9934"/>
             </a:lvl9pPr>
           </a:lstStyle>
           <a:p>
@@ -4715,7 +4720,7 @@
           <a:p>
             <a:fld id="{05B1DBB0-D0CE-4499-8A6D-C73AC9430D35}" type="datetimeFigureOut">
               <a:rPr kumimoji="1" lang="ja-JP" altLang="en-US" smtClean="0"/>
-              <a:t>2017/4/4</a:t>
+              <a:t>2017/6/2</a:t>
             </a:fld>
             <a:endParaRPr kumimoji="1" lang="ja-JP" altLang="en-US"/>
           </a:p>
@@ -4805,15 +4810,15 @@
         </p:nvSpPr>
         <p:spPr>
           <a:xfrm>
-            <a:off x="382390" y="241195"/>
-            <a:ext cx="1790500" cy="844180"/>
+            <a:off x="322906" y="178753"/>
+            <a:ext cx="1511966" cy="625634"/>
           </a:xfrm>
         </p:spPr>
         <p:txBody>
           <a:bodyPr anchor="b"/>
           <a:lstStyle>
             <a:lvl1pPr>
-              <a:defRPr sz="17695"/>
+              <a:defRPr sz="31780"/>
             </a:lvl1pPr>
           </a:lstStyle>
           <a:p>
@@ -4837,8 +4842,8 @@
         </p:nvSpPr>
         <p:spPr>
           <a:xfrm>
-            <a:off x="2360106" y="520916"/>
-            <a:ext cx="2810441" cy="2571063"/>
+            <a:off x="1992966" y="386060"/>
+            <a:ext cx="2373243" cy="1905452"/>
           </a:xfrm>
         </p:spPr>
         <p:txBody>
@@ -4846,39 +4851,39 @@
           <a:lstStyle>
             <a:lvl1pPr marL="0" indent="0">
               <a:buNone/>
-              <a:defRPr sz="17695"/>
+              <a:defRPr sz="31780"/>
             </a:lvl1pPr>
-            <a:lvl2pPr marL="2528126" indent="0">
+            <a:lvl2pPr marL="4540514" indent="0">
               <a:buNone/>
-              <a:defRPr sz="15480"/>
+              <a:defRPr sz="27802"/>
             </a:lvl2pPr>
-            <a:lvl3pPr marL="5056249" indent="0">
+            <a:lvl3pPr marL="9081023" indent="0">
               <a:buNone/>
-              <a:defRPr sz="13272"/>
+              <a:defRPr sz="23837"/>
             </a:lvl3pPr>
-            <a:lvl4pPr marL="7584369" indent="0">
+            <a:lvl4pPr marL="13621527" indent="0">
               <a:buNone/>
-              <a:defRPr sz="11063"/>
+              <a:defRPr sz="19869"/>
             </a:lvl4pPr>
-            <a:lvl5pPr marL="10112495" indent="0">
+            <a:lvl5pPr marL="18162041" indent="0">
               <a:buNone/>
-              <a:defRPr sz="11063"/>
+              <a:defRPr sz="19869"/>
             </a:lvl5pPr>
-            <a:lvl6pPr marL="12640618" indent="0">
+            <a:lvl6pPr marL="22702550" indent="0">
               <a:buNone/>
-              <a:defRPr sz="11063"/>
+              <a:defRPr sz="19869"/>
             </a:lvl6pPr>
-            <a:lvl7pPr marL="15168738" indent="0">
+            <a:lvl7pPr marL="27243053" indent="0">
               <a:buNone/>
-              <a:defRPr sz="11063"/>
+              <a:defRPr sz="19869"/>
             </a:lvl7pPr>
-            <a:lvl8pPr marL="17696867" indent="0">
+            <a:lvl8pPr marL="31783573" indent="0">
               <a:buNone/>
-              <a:defRPr sz="11063"/>
+              <a:defRPr sz="19869"/>
             </a:lvl8pPr>
-            <a:lvl9pPr marL="20224987" indent="0">
+            <a:lvl9pPr marL="36324077" indent="0">
               <a:buNone/>
-              <a:defRPr sz="11063"/>
+              <a:defRPr sz="19869"/>
             </a:lvl9pPr>
           </a:lstStyle>
           <a:p>
@@ -4898,8 +4903,8 @@
         </p:nvSpPr>
         <p:spPr>
           <a:xfrm>
-            <a:off x="382390" y="1085377"/>
-            <a:ext cx="1790500" cy="2010789"/>
+            <a:off x="322906" y="804388"/>
+            <a:ext cx="1511966" cy="1490226"/>
           </a:xfrm>
         </p:spPr>
         <p:txBody>
@@ -4907,39 +4912,39 @@
           <a:lstStyle>
             <a:lvl1pPr marL="0" indent="0">
               <a:buNone/>
-              <a:defRPr sz="8848"/>
+              <a:defRPr sz="15891"/>
             </a:lvl1pPr>
-            <a:lvl2pPr marL="2528126" indent="0">
+            <a:lvl2pPr marL="4540514" indent="0">
               <a:buNone/>
-              <a:defRPr sz="7741"/>
+              <a:defRPr sz="13903"/>
             </a:lvl2pPr>
-            <a:lvl3pPr marL="5056249" indent="0">
+            <a:lvl3pPr marL="9081023" indent="0">
               <a:buNone/>
-              <a:defRPr sz="6640"/>
+              <a:defRPr sz="11925"/>
             </a:lvl3pPr>
-            <a:lvl4pPr marL="7584369" indent="0">
+            <a:lvl4pPr marL="13621527" indent="0">
               <a:buNone/>
-              <a:defRPr sz="5531"/>
+              <a:defRPr sz="9934"/>
             </a:lvl4pPr>
-            <a:lvl5pPr marL="10112495" indent="0">
+            <a:lvl5pPr marL="18162041" indent="0">
               <a:buNone/>
-              <a:defRPr sz="5531"/>
+              <a:defRPr sz="9934"/>
             </a:lvl5pPr>
-            <a:lvl6pPr marL="12640618" indent="0">
+            <a:lvl6pPr marL="22702550" indent="0">
               <a:buNone/>
-              <a:defRPr sz="5531"/>
+              <a:defRPr sz="9934"/>
             </a:lvl6pPr>
-            <a:lvl7pPr marL="15168738" indent="0">
+            <a:lvl7pPr marL="27243053" indent="0">
               <a:buNone/>
-              <a:defRPr sz="5531"/>
+              <a:defRPr sz="9934"/>
             </a:lvl7pPr>
-            <a:lvl8pPr marL="17696867" indent="0">
+            <a:lvl8pPr marL="31783573" indent="0">
               <a:buNone/>
-              <a:defRPr sz="5531"/>
+              <a:defRPr sz="9934"/>
             </a:lvl8pPr>
-            <a:lvl9pPr marL="20224987" indent="0">
+            <a:lvl9pPr marL="36324077" indent="0">
               <a:buNone/>
-              <a:defRPr sz="5531"/>
+              <a:defRPr sz="9934"/>
             </a:lvl9pPr>
           </a:lstStyle>
           <a:p>
@@ -4968,7 +4973,7 @@
           <a:p>
             <a:fld id="{05B1DBB0-D0CE-4499-8A6D-C73AC9430D35}" type="datetimeFigureOut">
               <a:rPr kumimoji="1" lang="ja-JP" altLang="en-US" smtClean="0"/>
-              <a:t>2017/4/4</a:t>
+              <a:t>2017/6/2</a:t>
             </a:fld>
             <a:endParaRPr kumimoji="1" lang="ja-JP" altLang="en-US"/>
           </a:p>
@@ -5063,8 +5068,8 @@
         </p:nvSpPr>
         <p:spPr>
           <a:xfrm>
-            <a:off x="381665" y="192621"/>
-            <a:ext cx="4788158" cy="699296"/>
+            <a:off x="322292" y="142755"/>
+            <a:ext cx="4043304" cy="518258"/>
           </a:xfrm>
           <a:prstGeom prst="rect">
             <a:avLst/>
@@ -5096,8 +5101,8 @@
         </p:nvSpPr>
         <p:spPr>
           <a:xfrm>
-            <a:off x="381665" y="963105"/>
-            <a:ext cx="4788158" cy="2295533"/>
+            <a:off x="322292" y="713772"/>
+            <a:ext cx="4043304" cy="1701252"/>
           </a:xfrm>
           <a:prstGeom prst="rect">
             <a:avLst/>
@@ -5190,8 +5195,8 @@
         </p:nvSpPr>
         <p:spPr>
           <a:xfrm>
-            <a:off x="381667" y="3353271"/>
-            <a:ext cx="1249084" cy="192620"/>
+            <a:off x="322294" y="2485157"/>
+            <a:ext cx="1054774" cy="142754"/>
           </a:xfrm>
           <a:prstGeom prst="rect">
             <a:avLst/>
@@ -5201,7 +5206,7 @@
           <a:bodyPr vert="horz" lIns="91440" tIns="45720" rIns="91440" bIns="45720" rtlCol="0" anchor="ctr"/>
           <a:lstStyle>
             <a:lvl1pPr algn="l">
-              <a:defRPr sz="6640">
+              <a:defRPr sz="11925">
                 <a:solidFill>
                   <a:schemeClr val="tx1">
                     <a:tint val="75000"/>
@@ -5213,7 +5218,7 @@
           <a:p>
             <a:fld id="{05B1DBB0-D0CE-4499-8A6D-C73AC9430D35}" type="datetimeFigureOut">
               <a:rPr kumimoji="1" lang="ja-JP" altLang="en-US" smtClean="0"/>
-              <a:t>2017/4/4</a:t>
+              <a:t>2017/6/2</a:t>
             </a:fld>
             <a:endParaRPr kumimoji="1" lang="ja-JP" altLang="en-US"/>
           </a:p>
@@ -5231,8 +5236,8 @@
         </p:nvSpPr>
         <p:spPr>
           <a:xfrm>
-            <a:off x="1838931" y="3353271"/>
-            <a:ext cx="1873629" cy="192620"/>
+            <a:off x="1552864" y="2485157"/>
+            <a:ext cx="1582164" cy="142754"/>
           </a:xfrm>
           <a:prstGeom prst="rect">
             <a:avLst/>
@@ -5242,7 +5247,7 @@
           <a:bodyPr vert="horz" lIns="91440" tIns="45720" rIns="91440" bIns="45720" rtlCol="0" anchor="ctr"/>
           <a:lstStyle>
             <a:lvl1pPr algn="ctr">
-              <a:defRPr sz="6640">
+              <a:defRPr sz="11925">
                 <a:solidFill>
                   <a:schemeClr val="tx1">
                     <a:tint val="75000"/>
@@ -5268,8 +5273,8 @@
         </p:nvSpPr>
         <p:spPr>
           <a:xfrm>
-            <a:off x="3920740" y="3353271"/>
-            <a:ext cx="1249084" cy="192620"/>
+            <a:off x="3310823" y="2485157"/>
+            <a:ext cx="1054774" cy="142754"/>
           </a:xfrm>
           <a:prstGeom prst="rect">
             <a:avLst/>
@@ -5279,7 +5284,7 @@
           <a:bodyPr vert="horz" lIns="91440" tIns="45720" rIns="91440" bIns="45720" rtlCol="0" anchor="ctr"/>
           <a:lstStyle>
             <a:lvl1pPr algn="r">
-              <a:defRPr sz="6640">
+              <a:defRPr sz="11925">
                 <a:solidFill>
                   <a:schemeClr val="tx1">
                     <a:tint val="75000"/>
@@ -5320,7 +5325,7 @@
   </p:sldLayoutIdLst>
   <p:txStyles>
     <p:titleStyle>
-      <a:lvl1pPr algn="l" defTabSz="5056249" rtl="0" eaLnBrk="1" latinLnBrk="0" hangingPunct="1">
+      <a:lvl1pPr algn="l" defTabSz="9081023" rtl="0" eaLnBrk="1" latinLnBrk="0" hangingPunct="1">
         <a:lnSpc>
           <a:spcPct val="90000"/>
         </a:lnSpc>
@@ -5328,7 +5333,7 @@
           <a:spcPct val="0"/>
         </a:spcBef>
         <a:buNone/>
-        <a:defRPr kumimoji="1" sz="24329" kern="1200">
+        <a:defRPr kumimoji="1" sz="43695" kern="1200">
           <a:solidFill>
             <a:schemeClr val="tx1"/>
           </a:solidFill>
@@ -5339,16 +5344,16 @@
       </a:lvl1pPr>
     </p:titleStyle>
     <p:bodyStyle>
-      <a:lvl1pPr marL="1264063" indent="-1264063" algn="l" defTabSz="5056249" rtl="0" eaLnBrk="1" latinLnBrk="0" hangingPunct="1">
+      <a:lvl1pPr marL="2270257" indent="-2270257" algn="l" defTabSz="9081023" rtl="0" eaLnBrk="1" latinLnBrk="0" hangingPunct="1">
         <a:lnSpc>
           <a:spcPct val="90000"/>
         </a:lnSpc>
         <a:spcBef>
-          <a:spcPts val="5531"/>
+          <a:spcPts val="9934"/>
         </a:spcBef>
         <a:buFont typeface="Arial" panose="020B0604020202020204" pitchFamily="34" charset="0"/>
         <a:buChar char="•"/>
-        <a:defRPr kumimoji="1" sz="15480" kern="1200">
+        <a:defRPr kumimoji="1" sz="27802" kern="1200">
           <a:solidFill>
             <a:schemeClr val="tx1"/>
           </a:solidFill>
@@ -5357,16 +5362,16 @@
           <a:cs typeface="+mn-cs"/>
         </a:defRPr>
       </a:lvl1pPr>
-      <a:lvl2pPr marL="3792186" indent="-1264063" algn="l" defTabSz="5056249" rtl="0" eaLnBrk="1" latinLnBrk="0" hangingPunct="1">
+      <a:lvl2pPr marL="6810766" indent="-2270257" algn="l" defTabSz="9081023" rtl="0" eaLnBrk="1" latinLnBrk="0" hangingPunct="1">
         <a:lnSpc>
           <a:spcPct val="90000"/>
         </a:lnSpc>
         <a:spcBef>
-          <a:spcPts val="2765"/>
+          <a:spcPts val="4966"/>
         </a:spcBef>
         <a:buFont typeface="Arial" panose="020B0604020202020204" pitchFamily="34" charset="0"/>
         <a:buChar char="•"/>
-        <a:defRPr kumimoji="1" sz="13272" kern="1200">
+        <a:defRPr kumimoji="1" sz="23837" kern="1200">
           <a:solidFill>
             <a:schemeClr val="tx1"/>
           </a:solidFill>
@@ -5375,16 +5380,16 @@
           <a:cs typeface="+mn-cs"/>
         </a:defRPr>
       </a:lvl2pPr>
-      <a:lvl3pPr marL="6320312" indent="-1264063" algn="l" defTabSz="5056249" rtl="0" eaLnBrk="1" latinLnBrk="0" hangingPunct="1">
+      <a:lvl3pPr marL="11351280" indent="-2270257" algn="l" defTabSz="9081023" rtl="0" eaLnBrk="1" latinLnBrk="0" hangingPunct="1">
         <a:lnSpc>
           <a:spcPct val="90000"/>
         </a:lnSpc>
         <a:spcBef>
-          <a:spcPts val="2765"/>
+          <a:spcPts val="4966"/>
         </a:spcBef>
         <a:buFont typeface="Arial" panose="020B0604020202020204" pitchFamily="34" charset="0"/>
         <a:buChar char="•"/>
-        <a:defRPr kumimoji="1" sz="11063" kern="1200">
+        <a:defRPr kumimoji="1" sz="19869" kern="1200">
           <a:solidFill>
             <a:schemeClr val="tx1"/>
           </a:solidFill>
@@ -5393,16 +5398,16 @@
           <a:cs typeface="+mn-cs"/>
         </a:defRPr>
       </a:lvl3pPr>
-      <a:lvl4pPr marL="8848426" indent="-1264063" algn="l" defTabSz="5056249" rtl="0" eaLnBrk="1" latinLnBrk="0" hangingPunct="1">
+      <a:lvl4pPr marL="15891773" indent="-2270257" algn="l" defTabSz="9081023" rtl="0" eaLnBrk="1" latinLnBrk="0" hangingPunct="1">
         <a:lnSpc>
           <a:spcPct val="90000"/>
         </a:lnSpc>
         <a:spcBef>
-          <a:spcPts val="2765"/>
+          <a:spcPts val="4966"/>
         </a:spcBef>
         <a:buFont typeface="Arial" panose="020B0604020202020204" pitchFamily="34" charset="0"/>
         <a:buChar char="•"/>
-        <a:defRPr kumimoji="1" sz="9956" kern="1200">
+        <a:defRPr kumimoji="1" sz="17881" kern="1200">
           <a:solidFill>
             <a:schemeClr val="tx1"/>
           </a:solidFill>
@@ -5411,16 +5416,16 @@
           <a:cs typeface="+mn-cs"/>
         </a:defRPr>
       </a:lvl4pPr>
-      <a:lvl5pPr marL="11376555" indent="-1264063" algn="l" defTabSz="5056249" rtl="0" eaLnBrk="1" latinLnBrk="0" hangingPunct="1">
+      <a:lvl5pPr marL="20432293" indent="-2270257" algn="l" defTabSz="9081023" rtl="0" eaLnBrk="1" latinLnBrk="0" hangingPunct="1">
         <a:lnSpc>
           <a:spcPct val="90000"/>
         </a:lnSpc>
         <a:spcBef>
-          <a:spcPts val="2765"/>
+          <a:spcPts val="4966"/>
         </a:spcBef>
         <a:buFont typeface="Arial" panose="020B0604020202020204" pitchFamily="34" charset="0"/>
         <a:buChar char="•"/>
-        <a:defRPr kumimoji="1" sz="9956" kern="1200">
+        <a:defRPr kumimoji="1" sz="17881" kern="1200">
           <a:solidFill>
             <a:schemeClr val="tx1"/>
           </a:solidFill>
@@ -5429,16 +5434,16 @@
           <a:cs typeface="+mn-cs"/>
         </a:defRPr>
       </a:lvl5pPr>
-      <a:lvl6pPr marL="13904681" indent="-1264063" algn="l" defTabSz="5056249" rtl="0" eaLnBrk="1" latinLnBrk="0" hangingPunct="1">
+      <a:lvl6pPr marL="24972807" indent="-2270257" algn="l" defTabSz="9081023" rtl="0" eaLnBrk="1" latinLnBrk="0" hangingPunct="1">
         <a:lnSpc>
           <a:spcPct val="90000"/>
         </a:lnSpc>
         <a:spcBef>
-          <a:spcPts val="2765"/>
+          <a:spcPts val="4966"/>
         </a:spcBef>
         <a:buFont typeface="Arial" panose="020B0604020202020204" pitchFamily="34" charset="0"/>
         <a:buChar char="•"/>
-        <a:defRPr kumimoji="1" sz="9956" kern="1200">
+        <a:defRPr kumimoji="1" sz="17881" kern="1200">
           <a:solidFill>
             <a:schemeClr val="tx1"/>
           </a:solidFill>
@@ -5447,16 +5452,16 @@
           <a:cs typeface="+mn-cs"/>
         </a:defRPr>
       </a:lvl6pPr>
-      <a:lvl7pPr marL="16432801" indent="-1264063" algn="l" defTabSz="5056249" rtl="0" eaLnBrk="1" latinLnBrk="0" hangingPunct="1">
+      <a:lvl7pPr marL="29513311" indent="-2270257" algn="l" defTabSz="9081023" rtl="0" eaLnBrk="1" latinLnBrk="0" hangingPunct="1">
         <a:lnSpc>
           <a:spcPct val="90000"/>
         </a:lnSpc>
         <a:spcBef>
-          <a:spcPts val="2765"/>
+          <a:spcPts val="4966"/>
         </a:spcBef>
         <a:buFont typeface="Arial" panose="020B0604020202020204" pitchFamily="34" charset="0"/>
         <a:buChar char="•"/>
-        <a:defRPr kumimoji="1" sz="9956" kern="1200">
+        <a:defRPr kumimoji="1" sz="17881" kern="1200">
           <a:solidFill>
             <a:schemeClr val="tx1"/>
           </a:solidFill>
@@ -5465,16 +5470,16 @@
           <a:cs typeface="+mn-cs"/>
         </a:defRPr>
       </a:lvl7pPr>
-      <a:lvl8pPr marL="18960930" indent="-1264063" algn="l" defTabSz="5056249" rtl="0" eaLnBrk="1" latinLnBrk="0" hangingPunct="1">
+      <a:lvl8pPr marL="34053830" indent="-2270257" algn="l" defTabSz="9081023" rtl="0" eaLnBrk="1" latinLnBrk="0" hangingPunct="1">
         <a:lnSpc>
           <a:spcPct val="90000"/>
         </a:lnSpc>
         <a:spcBef>
-          <a:spcPts val="2765"/>
+          <a:spcPts val="4966"/>
         </a:spcBef>
         <a:buFont typeface="Arial" panose="020B0604020202020204" pitchFamily="34" charset="0"/>
         <a:buChar char="•"/>
-        <a:defRPr kumimoji="1" sz="9956" kern="1200">
+        <a:defRPr kumimoji="1" sz="17881" kern="1200">
           <a:solidFill>
             <a:schemeClr val="tx1"/>
           </a:solidFill>
@@ -5483,16 +5488,16 @@
           <a:cs typeface="+mn-cs"/>
         </a:defRPr>
       </a:lvl8pPr>
-      <a:lvl9pPr marL="21489050" indent="-1264063" algn="l" defTabSz="5056249" rtl="0" eaLnBrk="1" latinLnBrk="0" hangingPunct="1">
+      <a:lvl9pPr marL="38594334" indent="-2270257" algn="l" defTabSz="9081023" rtl="0" eaLnBrk="1" latinLnBrk="0" hangingPunct="1">
         <a:lnSpc>
           <a:spcPct val="90000"/>
         </a:lnSpc>
         <a:spcBef>
-          <a:spcPts val="2765"/>
+          <a:spcPts val="4966"/>
         </a:spcBef>
         <a:buFont typeface="Arial" panose="020B0604020202020204" pitchFamily="34" charset="0"/>
         <a:buChar char="•"/>
-        <a:defRPr kumimoji="1" sz="9956" kern="1200">
+        <a:defRPr kumimoji="1" sz="17881" kern="1200">
           <a:solidFill>
             <a:schemeClr val="tx1"/>
           </a:solidFill>
@@ -5506,8 +5511,8 @@
       <a:defPPr>
         <a:defRPr lang="ja-JP"/>
       </a:defPPr>
-      <a:lvl1pPr marL="0" algn="l" defTabSz="5056249" rtl="0" eaLnBrk="1" latinLnBrk="0" hangingPunct="1">
-        <a:defRPr kumimoji="1" sz="9956" kern="1200">
+      <a:lvl1pPr marL="0" algn="l" defTabSz="9081023" rtl="0" eaLnBrk="1" latinLnBrk="0" hangingPunct="1">
+        <a:defRPr kumimoji="1" sz="17881" kern="1200">
           <a:solidFill>
             <a:schemeClr val="tx1"/>
           </a:solidFill>
@@ -5516,8 +5521,8 @@
           <a:cs typeface="+mn-cs"/>
         </a:defRPr>
       </a:lvl1pPr>
-      <a:lvl2pPr marL="2528126" algn="l" defTabSz="5056249" rtl="0" eaLnBrk="1" latinLnBrk="0" hangingPunct="1">
-        <a:defRPr kumimoji="1" sz="9956" kern="1200">
+      <a:lvl2pPr marL="4540514" algn="l" defTabSz="9081023" rtl="0" eaLnBrk="1" latinLnBrk="0" hangingPunct="1">
+        <a:defRPr kumimoji="1" sz="17881" kern="1200">
           <a:solidFill>
             <a:schemeClr val="tx1"/>
           </a:solidFill>
@@ -5526,8 +5531,8 @@
           <a:cs typeface="+mn-cs"/>
         </a:defRPr>
       </a:lvl2pPr>
-      <a:lvl3pPr marL="5056249" algn="l" defTabSz="5056249" rtl="0" eaLnBrk="1" latinLnBrk="0" hangingPunct="1">
-        <a:defRPr kumimoji="1" sz="9956" kern="1200">
+      <a:lvl3pPr marL="9081023" algn="l" defTabSz="9081023" rtl="0" eaLnBrk="1" latinLnBrk="0" hangingPunct="1">
+        <a:defRPr kumimoji="1" sz="17881" kern="1200">
           <a:solidFill>
             <a:schemeClr val="tx1"/>
           </a:solidFill>
@@ -5536,8 +5541,8 @@
           <a:cs typeface="+mn-cs"/>
         </a:defRPr>
       </a:lvl3pPr>
-      <a:lvl4pPr marL="7584369" algn="l" defTabSz="5056249" rtl="0" eaLnBrk="1" latinLnBrk="0" hangingPunct="1">
-        <a:defRPr kumimoji="1" sz="9956" kern="1200">
+      <a:lvl4pPr marL="13621527" algn="l" defTabSz="9081023" rtl="0" eaLnBrk="1" latinLnBrk="0" hangingPunct="1">
+        <a:defRPr kumimoji="1" sz="17881" kern="1200">
           <a:solidFill>
             <a:schemeClr val="tx1"/>
           </a:solidFill>
@@ -5546,8 +5551,8 @@
           <a:cs typeface="+mn-cs"/>
         </a:defRPr>
       </a:lvl4pPr>
-      <a:lvl5pPr marL="10112495" algn="l" defTabSz="5056249" rtl="0" eaLnBrk="1" latinLnBrk="0" hangingPunct="1">
-        <a:defRPr kumimoji="1" sz="9956" kern="1200">
+      <a:lvl5pPr marL="18162041" algn="l" defTabSz="9081023" rtl="0" eaLnBrk="1" latinLnBrk="0" hangingPunct="1">
+        <a:defRPr kumimoji="1" sz="17881" kern="1200">
           <a:solidFill>
             <a:schemeClr val="tx1"/>
           </a:solidFill>
@@ -5556,8 +5561,8 @@
           <a:cs typeface="+mn-cs"/>
         </a:defRPr>
       </a:lvl5pPr>
-      <a:lvl6pPr marL="12640618" algn="l" defTabSz="5056249" rtl="0" eaLnBrk="1" latinLnBrk="0" hangingPunct="1">
-        <a:defRPr kumimoji="1" sz="9956" kern="1200">
+      <a:lvl6pPr marL="22702550" algn="l" defTabSz="9081023" rtl="0" eaLnBrk="1" latinLnBrk="0" hangingPunct="1">
+        <a:defRPr kumimoji="1" sz="17881" kern="1200">
           <a:solidFill>
             <a:schemeClr val="tx1"/>
           </a:solidFill>
@@ -5566,8 +5571,8 @@
           <a:cs typeface="+mn-cs"/>
         </a:defRPr>
       </a:lvl6pPr>
-      <a:lvl7pPr marL="15168738" algn="l" defTabSz="5056249" rtl="0" eaLnBrk="1" latinLnBrk="0" hangingPunct="1">
-        <a:defRPr kumimoji="1" sz="9956" kern="1200">
+      <a:lvl7pPr marL="27243053" algn="l" defTabSz="9081023" rtl="0" eaLnBrk="1" latinLnBrk="0" hangingPunct="1">
+        <a:defRPr kumimoji="1" sz="17881" kern="1200">
           <a:solidFill>
             <a:schemeClr val="tx1"/>
           </a:solidFill>
@@ -5576,8 +5581,8 @@
           <a:cs typeface="+mn-cs"/>
         </a:defRPr>
       </a:lvl7pPr>
-      <a:lvl8pPr marL="17696867" algn="l" defTabSz="5056249" rtl="0" eaLnBrk="1" latinLnBrk="0" hangingPunct="1">
-        <a:defRPr kumimoji="1" sz="9956" kern="1200">
+      <a:lvl8pPr marL="31783573" algn="l" defTabSz="9081023" rtl="0" eaLnBrk="1" latinLnBrk="0" hangingPunct="1">
+        <a:defRPr kumimoji="1" sz="17881" kern="1200">
           <a:solidFill>
             <a:schemeClr val="tx1"/>
           </a:solidFill>
@@ -5586,8 +5591,8 @@
           <a:cs typeface="+mn-cs"/>
         </a:defRPr>
       </a:lvl8pPr>
-      <a:lvl9pPr marL="20224987" algn="l" defTabSz="5056249" rtl="0" eaLnBrk="1" latinLnBrk="0" hangingPunct="1">
-        <a:defRPr kumimoji="1" sz="9956" kern="1200">
+      <a:lvl9pPr marL="36324077" algn="l" defTabSz="9081023" rtl="0" eaLnBrk="1" latinLnBrk="0" hangingPunct="1">
+        <a:defRPr kumimoji="1" sz="17881" kern="1200">
           <a:solidFill>
             <a:schemeClr val="tx1"/>
           </a:solidFill>
@@ -5638,8 +5643,8 @@
         </p:nvSpPr>
         <p:spPr>
           <a:xfrm>
-            <a:off x="277809" y="144722"/>
-            <a:ext cx="5000538" cy="276999"/>
+            <a:off x="234594" y="107258"/>
+            <a:ext cx="4222645" cy="276999"/>
           </a:xfrm>
           <a:prstGeom prst="rect">
             <a:avLst/>
@@ -5671,8 +5676,8 @@
         </p:nvSpPr>
         <p:spPr>
           <a:xfrm>
-            <a:off x="277809" y="832122"/>
-            <a:ext cx="5000538" cy="276999"/>
+            <a:off x="234594" y="616699"/>
+            <a:ext cx="4222645" cy="276999"/>
           </a:xfrm>
           <a:prstGeom prst="rect">
             <a:avLst/>
@@ -5704,8 +5709,8 @@
         </p:nvSpPr>
         <p:spPr>
           <a:xfrm>
-            <a:off x="1889095" y="3364664"/>
-            <a:ext cx="1777969" cy="67839"/>
+            <a:off x="1595226" y="2493603"/>
+            <a:ext cx="1501384" cy="66044"/>
           </a:xfrm>
           <a:prstGeom prst="rect">
             <a:avLst/>
@@ -5743,8 +5748,8 @@
         </p:nvSpPr>
         <p:spPr>
           <a:xfrm>
-            <a:off x="277810" y="3364664"/>
-            <a:ext cx="1277915" cy="67839"/>
+            <a:off x="234594" y="2493603"/>
+            <a:ext cx="1079120" cy="66044"/>
           </a:xfrm>
           <a:prstGeom prst="rect">
             <a:avLst/>
@@ -5768,7 +5773,7 @@
           <a:p>
             <a:fld id="{1D8BD707-D9CF-40AE-B4C6-C98DA3205C09}" type="datetimeFigureOut">
               <a:rPr lang="en-US"/>
-              <a:t>4/4/2017</a:t>
+              <a:t>6/2/2017</a:t>
             </a:fld>
             <a:endParaRPr lang="en-US"/>
           </a:p>
@@ -5786,8 +5791,8 @@
         </p:nvSpPr>
         <p:spPr>
           <a:xfrm>
-            <a:off x="4000433" y="3364664"/>
-            <a:ext cx="1277915" cy="67839"/>
+            <a:off x="3378119" y="2493603"/>
+            <a:ext cx="1079120" cy="66044"/>
           </a:xfrm>
           <a:prstGeom prst="rect">
             <a:avLst/>
@@ -5849,56 +5854,56 @@
           <a:cs typeface="+mn-cs"/>
         </a:defRPr>
       </a:lvl1pPr>
-      <a:lvl2pPr marL="1215962">
+      <a:lvl2pPr marL="2183868">
         <a:defRPr>
           <a:latin typeface="+mn-lt"/>
           <a:ea typeface="+mn-ea"/>
           <a:cs typeface="+mn-cs"/>
         </a:defRPr>
       </a:lvl2pPr>
-      <a:lvl3pPr marL="2431930">
+      <a:lvl3pPr marL="4367746">
         <a:defRPr>
           <a:latin typeface="+mn-lt"/>
           <a:ea typeface="+mn-ea"/>
           <a:cs typeface="+mn-cs"/>
         </a:defRPr>
       </a:lvl3pPr>
-      <a:lvl4pPr marL="3647891">
+      <a:lvl4pPr marL="6551612">
         <a:defRPr>
           <a:latin typeface="+mn-lt"/>
           <a:ea typeface="+mn-ea"/>
           <a:cs typeface="+mn-cs"/>
         </a:defRPr>
       </a:lvl4pPr>
-      <a:lvl5pPr marL="4863853">
+      <a:lvl5pPr marL="8735480">
         <a:defRPr>
           <a:latin typeface="+mn-lt"/>
           <a:ea typeface="+mn-ea"/>
           <a:cs typeface="+mn-cs"/>
         </a:defRPr>
       </a:lvl5pPr>
-      <a:lvl6pPr marL="6079821">
+      <a:lvl6pPr marL="10919359">
         <a:defRPr>
           <a:latin typeface="+mn-lt"/>
           <a:ea typeface="+mn-ea"/>
           <a:cs typeface="+mn-cs"/>
         </a:defRPr>
       </a:lvl6pPr>
-      <a:lvl7pPr marL="7295791">
+      <a:lvl7pPr marL="13103241">
         <a:defRPr>
           <a:latin typeface="+mn-lt"/>
           <a:ea typeface="+mn-ea"/>
           <a:cs typeface="+mn-cs"/>
         </a:defRPr>
       </a:lvl7pPr>
-      <a:lvl8pPr marL="8511747">
+      <a:lvl8pPr marL="15287098">
         <a:defRPr>
           <a:latin typeface="+mn-lt"/>
           <a:ea typeface="+mn-ea"/>
           <a:cs typeface="+mn-cs"/>
         </a:defRPr>
       </a:lvl8pPr>
-      <a:lvl9pPr marL="9727714">
+      <a:lvl9pPr marL="17470974">
         <a:defRPr>
           <a:latin typeface="+mn-lt"/>
           <a:ea typeface="+mn-ea"/>
@@ -5914,56 +5919,56 @@
           <a:cs typeface="+mn-cs"/>
         </a:defRPr>
       </a:lvl1pPr>
-      <a:lvl2pPr marL="1215962">
+      <a:lvl2pPr marL="2183868">
         <a:defRPr>
           <a:latin typeface="+mn-lt"/>
           <a:ea typeface="+mn-ea"/>
           <a:cs typeface="+mn-cs"/>
         </a:defRPr>
       </a:lvl2pPr>
-      <a:lvl3pPr marL="2431930">
+      <a:lvl3pPr marL="4367746">
         <a:defRPr>
           <a:latin typeface="+mn-lt"/>
           <a:ea typeface="+mn-ea"/>
           <a:cs typeface="+mn-cs"/>
         </a:defRPr>
       </a:lvl3pPr>
-      <a:lvl4pPr marL="3647891">
+      <a:lvl4pPr marL="6551612">
         <a:defRPr>
           <a:latin typeface="+mn-lt"/>
           <a:ea typeface="+mn-ea"/>
           <a:cs typeface="+mn-cs"/>
         </a:defRPr>
       </a:lvl4pPr>
-      <a:lvl5pPr marL="4863853">
+      <a:lvl5pPr marL="8735480">
         <a:defRPr>
           <a:latin typeface="+mn-lt"/>
           <a:ea typeface="+mn-ea"/>
           <a:cs typeface="+mn-cs"/>
         </a:defRPr>
       </a:lvl5pPr>
-      <a:lvl6pPr marL="6079821">
+      <a:lvl6pPr marL="10919359">
         <a:defRPr>
           <a:latin typeface="+mn-lt"/>
           <a:ea typeface="+mn-ea"/>
           <a:cs typeface="+mn-cs"/>
         </a:defRPr>
       </a:lvl6pPr>
-      <a:lvl7pPr marL="7295791">
+      <a:lvl7pPr marL="13103241">
         <a:defRPr>
           <a:latin typeface="+mn-lt"/>
           <a:ea typeface="+mn-ea"/>
           <a:cs typeface="+mn-cs"/>
         </a:defRPr>
       </a:lvl7pPr>
-      <a:lvl8pPr marL="8511747">
+      <a:lvl8pPr marL="15287098">
         <a:defRPr>
           <a:latin typeface="+mn-lt"/>
           <a:ea typeface="+mn-ea"/>
           <a:cs typeface="+mn-cs"/>
         </a:defRPr>
       </a:lvl8pPr>
-      <a:lvl9pPr marL="9727714">
+      <a:lvl9pPr marL="17470974">
         <a:defRPr>
           <a:latin typeface="+mn-lt"/>
           <a:ea typeface="+mn-ea"/>
@@ -5994,21 +5999,21 @@
       </p:grpSpPr>
       <p:graphicFrame>
         <p:nvGraphicFramePr>
-          <p:cNvPr id="3" name="グラフ 2"/>
+          <p:cNvPr id="6" name="グラフ 5"/>
           <p:cNvGraphicFramePr>
             <a:graphicFrameLocks/>
           </p:cNvGraphicFramePr>
           <p:nvPr>
             <p:extLst>
               <p:ext uri="{D42A27DB-BD31-4B8C-83A1-F6EECF244321}">
-                <p14:modId xmlns:p14="http://schemas.microsoft.com/office/powerpoint/2010/main" val="2433291710"/>
+                <p14:modId xmlns:p14="http://schemas.microsoft.com/office/powerpoint/2010/main" val="2509477208"/>
               </p:ext>
             </p:extLst>
           </p:nvPr>
         </p:nvGraphicFramePr>
         <p:xfrm>
-          <a:off x="0" y="1"/>
-          <a:ext cx="5551488" cy="3617912"/>
+          <a:off x="-17083" y="18427"/>
+          <a:ext cx="4722055" cy="2644433"/>
         </p:xfrm>
         <a:graphic>
           <a:graphicData uri="http://schemas.openxmlformats.org/drawingml/2006/chart">

--- a/figure/BarGraph_ndt_matching.pptx
+++ b/figure/BarGraph_ndt_matching.pptx
@@ -6,10 +6,11 @@
     <p:sldMasterId id="2147483660" r:id="rId2"/>
   </p:sldMasterIdLst>
   <p:notesMasterIdLst>
-    <p:notesMasterId r:id="rId4"/>
+    <p:notesMasterId r:id="rId5"/>
   </p:notesMasterIdLst>
   <p:sldIdLst>
-    <p:sldId id="257" r:id="rId3"/>
+    <p:sldId id="258" r:id="rId3"/>
+    <p:sldId id="257" r:id="rId4"/>
   </p:sldIdLst>
   <p:sldSz cx="4687888" cy="2681288"/>
   <p:notesSz cx="6858000" cy="9144000"/>
@@ -117,6 +118,492 @@
 </file>
 
 <file path=ppt/charts/chart1.xml><?xml version="1.0" encoding="utf-8"?>
+<c:chartSpace xmlns:c="http://schemas.openxmlformats.org/drawingml/2006/chart" xmlns:a="http://schemas.openxmlformats.org/drawingml/2006/main" xmlns:r="http://schemas.openxmlformats.org/officeDocument/2006/relationships" xmlns:c16r2="http://schemas.microsoft.com/office/drawing/2015/06/chart">
+  <c:date1904 val="0"/>
+  <c:lang val="ja-JP"/>
+  <c:roundedCorners val="0"/>
+  <mc:AlternateContent xmlns:mc="http://schemas.openxmlformats.org/markup-compatibility/2006">
+    <mc:Choice xmlns:c14="http://schemas.microsoft.com/office/drawing/2007/8/2/chart" Requires="c14">
+      <c14:style val="104"/>
+    </mc:Choice>
+    <mc:Fallback>
+      <c:style val="4"/>
+    </mc:Fallback>
+  </mc:AlternateContent>
+  <c:clrMapOvr bg1="lt1" tx1="dk1" bg2="lt2" tx2="dk2" accent1="accent1" accent2="accent2" accent3="accent3" accent4="accent4" accent5="accent5" accent6="accent6" hlink="hlink" folHlink="folHlink"/>
+  <c:chart>
+    <c:autoTitleDeleted val="1"/>
+    <c:plotArea>
+      <c:layout/>
+      <c:barChart>
+        <c:barDir val="col"/>
+        <c:grouping val="stacked"/>
+        <c:varyColors val="0"/>
+        <c:ser>
+          <c:idx val="1"/>
+          <c:order val="1"/>
+          <c:tx>
+            <c:strRef>
+              <c:f>Sheet1!$T$12</c:f>
+              <c:strCache>
+                <c:ptCount val="1"/>
+                <c:pt idx="0">
+                  <c:v>computeTransform</c:v>
+                </c:pt>
+              </c:strCache>
+            </c:strRef>
+          </c:tx>
+          <c:spPr>
+            <a:solidFill>
+              <a:srgbClr val="FF0000"/>
+            </a:solidFill>
+            <a:ln>
+              <a:noFill/>
+            </a:ln>
+            <a:effectLst/>
+          </c:spPr>
+          <c:invertIfNegative val="0"/>
+          <c:cat>
+            <c:strRef>
+              <c:f>Sheet1!$U$10:$V$10</c:f>
+              <c:strCache>
+                <c:ptCount val="2"/>
+                <c:pt idx="0">
+                  <c:v>Normal</c:v>
+                </c:pt>
+                <c:pt idx="1">
+                  <c:v>Parallelized</c:v>
+                </c:pt>
+              </c:strCache>
+            </c:strRef>
+          </c:cat>
+          <c:val>
+            <c:numRef>
+              <c:f>Sheet1!$U$12:$V$12</c:f>
+              <c:numCache>
+                <c:formatCode>#,##0.0000_ </c:formatCode>
+                <c:ptCount val="2"/>
+                <c:pt idx="0">
+                  <c:v>0.29799999999999999</c:v>
+                </c:pt>
+                <c:pt idx="1">
+                  <c:v>7.8E-2</c:v>
+                </c:pt>
+              </c:numCache>
+            </c:numRef>
+          </c:val>
+          <c:extLst>
+            <c:ext xmlns:c16="http://schemas.microsoft.com/office/drawing/2014/chart" uri="{C3380CC4-5D6E-409C-BE32-E72D297353CC}">
+              <c16:uniqueId val="{00000000-E8E3-4D3F-9E46-F7E1162DE510}"/>
+            </c:ext>
+          </c:extLst>
+        </c:ser>
+        <c:ser>
+          <c:idx val="2"/>
+          <c:order val="2"/>
+          <c:tx>
+            <c:strRef>
+              <c:f>Sheet1!$T$13</c:f>
+              <c:strCache>
+                <c:ptCount val="1"/>
+                <c:pt idx="0">
+                  <c:v>Others</c:v>
+                </c:pt>
+              </c:strCache>
+            </c:strRef>
+          </c:tx>
+          <c:spPr>
+            <a:solidFill>
+              <a:schemeClr val="accent2">
+                <a:tint val="65000"/>
+              </a:schemeClr>
+            </a:solidFill>
+            <a:ln>
+              <a:noFill/>
+            </a:ln>
+            <a:effectLst/>
+          </c:spPr>
+          <c:invertIfNegative val="0"/>
+          <c:cat>
+            <c:strRef>
+              <c:f>Sheet1!$U$10:$V$10</c:f>
+              <c:strCache>
+                <c:ptCount val="2"/>
+                <c:pt idx="0">
+                  <c:v>Normal</c:v>
+                </c:pt>
+                <c:pt idx="1">
+                  <c:v>Parallelized</c:v>
+                </c:pt>
+              </c:strCache>
+            </c:strRef>
+          </c:cat>
+          <c:val>
+            <c:numRef>
+              <c:f>Sheet1!$U$13:$V$13</c:f>
+              <c:numCache>
+                <c:formatCode>#,##0.0000_ </c:formatCode>
+                <c:ptCount val="2"/>
+                <c:pt idx="0">
+                  <c:v>6.0000000000000053E-3</c:v>
+                </c:pt>
+                <c:pt idx="1">
+                  <c:v>4.0000000000000036E-3</c:v>
+                </c:pt>
+              </c:numCache>
+            </c:numRef>
+          </c:val>
+          <c:extLst>
+            <c:ext xmlns:c16="http://schemas.microsoft.com/office/drawing/2014/chart" uri="{C3380CC4-5D6E-409C-BE32-E72D297353CC}">
+              <c16:uniqueId val="{00000001-E8E3-4D3F-9E46-F7E1162DE510}"/>
+            </c:ext>
+          </c:extLst>
+        </c:ser>
+        <c:dLbls>
+          <c:showLegendKey val="0"/>
+          <c:showVal val="0"/>
+          <c:showCatName val="0"/>
+          <c:showSerName val="0"/>
+          <c:showPercent val="0"/>
+          <c:showBubbleSize val="0"/>
+        </c:dLbls>
+        <c:gapWidth val="150"/>
+        <c:overlap val="100"/>
+        <c:axId val="576375103"/>
+        <c:axId val="576381343"/>
+        <c:extLst>
+          <c:ext xmlns:c15="http://schemas.microsoft.com/office/drawing/2012/chart" uri="{02D57815-91ED-43cb-92C2-25804820EDAC}">
+            <c15:filteredBarSeries>
+              <c15:ser>
+                <c:idx val="0"/>
+                <c:order val="0"/>
+                <c:tx>
+                  <c:strRef>
+                    <c:extLst>
+                      <c:ext uri="{02D57815-91ED-43cb-92C2-25804820EDAC}">
+                        <c15:formulaRef>
+                          <c15:sqref>Sheet1!$T$11</c15:sqref>
+                        </c15:formulaRef>
+                      </c:ext>
+                    </c:extLst>
+                    <c:strCache>
+                      <c:ptCount val="1"/>
+                      <c:pt idx="0">
+                        <c:v>RadiusSearch</c:v>
+                      </c:pt>
+                    </c:strCache>
+                  </c:strRef>
+                </c:tx>
+                <c:spPr>
+                  <a:solidFill>
+                    <a:srgbClr val="C00000"/>
+                  </a:solidFill>
+                  <a:ln>
+                    <a:noFill/>
+                  </a:ln>
+                  <a:effectLst/>
+                </c:spPr>
+                <c:invertIfNegative val="0"/>
+                <c:cat>
+                  <c:strRef>
+                    <c:extLst>
+                      <c:ext uri="{02D57815-91ED-43cb-92C2-25804820EDAC}">
+                        <c15:formulaRef>
+                          <c15:sqref>Sheet1!$U$10:$V$10</c15:sqref>
+                        </c15:formulaRef>
+                      </c:ext>
+                    </c:extLst>
+                    <c:strCache>
+                      <c:ptCount val="2"/>
+                      <c:pt idx="0">
+                        <c:v>Normal</c:v>
+                      </c:pt>
+                      <c:pt idx="1">
+                        <c:v>Parallelized</c:v>
+                      </c:pt>
+                    </c:strCache>
+                  </c:strRef>
+                </c:cat>
+                <c:val>
+                  <c:numRef>
+                    <c:extLst>
+                      <c:ext uri="{02D57815-91ED-43cb-92C2-25804820EDAC}">
+                        <c15:formulaRef>
+                          <c15:sqref>Sheet1!$U$11:$V$11</c15:sqref>
+                        </c15:formulaRef>
+                      </c:ext>
+                    </c:extLst>
+                    <c:numCache>
+                      <c:formatCode>#,##0.0000_ </c:formatCode>
+                      <c:ptCount val="2"/>
+                      <c:pt idx="0">
+                        <c:v>3.5061666666666671</c:v>
+                      </c:pt>
+                      <c:pt idx="1">
+                        <c:v>1.7576000000000001</c:v>
+                      </c:pt>
+                    </c:numCache>
+                  </c:numRef>
+                </c:val>
+                <c:extLst>
+                  <c:ext xmlns:c16="http://schemas.microsoft.com/office/drawing/2014/chart" uri="{C3380CC4-5D6E-409C-BE32-E72D297353CC}">
+                    <c16:uniqueId val="{00000002-E8E3-4D3F-9E46-F7E1162DE510}"/>
+                  </c:ext>
+                </c:extLst>
+              </c15:ser>
+            </c15:filteredBarSeries>
+          </c:ext>
+        </c:extLst>
+      </c:barChart>
+      <c:catAx>
+        <c:axId val="576375103"/>
+        <c:scaling>
+          <c:orientation val="minMax"/>
+        </c:scaling>
+        <c:delete val="0"/>
+        <c:axPos val="b"/>
+        <c:numFmt formatCode="General" sourceLinked="1"/>
+        <c:majorTickMark val="none"/>
+        <c:minorTickMark val="none"/>
+        <c:tickLblPos val="nextTo"/>
+        <c:spPr>
+          <a:noFill/>
+          <a:ln w="9525" cap="flat" cmpd="sng" algn="ctr">
+            <a:solidFill>
+              <a:schemeClr val="tx1">
+                <a:lumMod val="15000"/>
+                <a:lumOff val="85000"/>
+              </a:schemeClr>
+            </a:solidFill>
+            <a:round/>
+          </a:ln>
+          <a:effectLst/>
+        </c:spPr>
+        <c:txPr>
+          <a:bodyPr rot="-60000000" spcFirstLastPara="1" vertOverflow="ellipsis" vert="horz" wrap="square" anchor="ctr" anchorCtr="1"/>
+          <a:lstStyle/>
+          <a:p>
+            <a:pPr>
+              <a:defRPr sz="900" b="0" i="0" u="none" strike="noStrike" kern="1200" baseline="0">
+                <a:solidFill>
+                  <a:schemeClr val="tx1">
+                    <a:lumMod val="65000"/>
+                    <a:lumOff val="35000"/>
+                  </a:schemeClr>
+                </a:solidFill>
+                <a:latin typeface="+mn-lt"/>
+                <a:ea typeface="+mn-ea"/>
+                <a:cs typeface="+mn-cs"/>
+              </a:defRPr>
+            </a:pPr>
+            <a:endParaRPr lang="ja-JP"/>
+          </a:p>
+        </c:txPr>
+        <c:crossAx val="576381343"/>
+        <c:crosses val="autoZero"/>
+        <c:auto val="1"/>
+        <c:lblAlgn val="ctr"/>
+        <c:lblOffset val="100"/>
+        <c:noMultiLvlLbl val="0"/>
+      </c:catAx>
+      <c:valAx>
+        <c:axId val="576381343"/>
+        <c:scaling>
+          <c:orientation val="minMax"/>
+        </c:scaling>
+        <c:delete val="0"/>
+        <c:axPos val="l"/>
+        <c:majorGridlines>
+          <c:spPr>
+            <a:ln w="9525" cap="flat" cmpd="sng" algn="ctr">
+              <a:solidFill>
+                <a:schemeClr val="tx1">
+                  <a:lumMod val="15000"/>
+                  <a:lumOff val="85000"/>
+                </a:schemeClr>
+              </a:solidFill>
+              <a:round/>
+            </a:ln>
+            <a:effectLst/>
+          </c:spPr>
+        </c:majorGridlines>
+        <c:title>
+          <c:tx>
+            <c:rich>
+              <a:bodyPr rot="-5400000" spcFirstLastPara="1" vertOverflow="ellipsis" vert="horz" wrap="square" anchor="ctr" anchorCtr="1"/>
+              <a:lstStyle/>
+              <a:p>
+                <a:pPr>
+                  <a:defRPr sz="1600" b="0" i="0" u="none" strike="noStrike" kern="1200" baseline="0">
+                    <a:solidFill>
+                      <a:sysClr val="windowText" lastClr="000000"/>
+                    </a:solidFill>
+                    <a:latin typeface="+mn-ea"/>
+                    <a:ea typeface="+mn-ea"/>
+                    <a:cs typeface="+mn-cs"/>
+                  </a:defRPr>
+                </a:pPr>
+                <a:r>
+                  <a:rPr lang="en-US" altLang="ja-JP" sz="1600">
+                    <a:solidFill>
+                      <a:sysClr val="windowText" lastClr="000000"/>
+                    </a:solidFill>
+                    <a:latin typeface="+mn-ea"/>
+                    <a:ea typeface="+mn-ea"/>
+                  </a:rPr>
+                  <a:t>execution time [s]</a:t>
+                </a:r>
+                <a:endParaRPr lang="ja-JP" altLang="en-US" sz="1600">
+                  <a:solidFill>
+                    <a:sysClr val="windowText" lastClr="000000"/>
+                  </a:solidFill>
+                  <a:latin typeface="+mn-ea"/>
+                  <a:ea typeface="+mn-ea"/>
+                </a:endParaRPr>
+              </a:p>
+            </c:rich>
+          </c:tx>
+          <c:layout>
+            <c:manualLayout>
+              <c:xMode val="edge"/>
+              <c:yMode val="edge"/>
+              <c:x val="9.7045883624820126E-2"/>
+              <c:y val="1.3839639726171924E-2"/>
+            </c:manualLayout>
+          </c:layout>
+          <c:overlay val="0"/>
+          <c:spPr>
+            <a:noFill/>
+            <a:ln>
+              <a:noFill/>
+            </a:ln>
+            <a:effectLst/>
+          </c:spPr>
+          <c:txPr>
+            <a:bodyPr rot="-5400000" spcFirstLastPara="1" vertOverflow="ellipsis" vert="horz" wrap="square" anchor="ctr" anchorCtr="1"/>
+            <a:lstStyle/>
+            <a:p>
+              <a:pPr>
+                <a:defRPr sz="1600" b="0" i="0" u="none" strike="noStrike" kern="1200" baseline="0">
+                  <a:solidFill>
+                    <a:sysClr val="windowText" lastClr="000000"/>
+                  </a:solidFill>
+                  <a:latin typeface="+mn-ea"/>
+                  <a:ea typeface="+mn-ea"/>
+                  <a:cs typeface="+mn-cs"/>
+                </a:defRPr>
+              </a:pPr>
+              <a:endParaRPr lang="ja-JP"/>
+            </a:p>
+          </c:txPr>
+        </c:title>
+        <c:numFmt formatCode="#,##0.000_ " sourceLinked="0"/>
+        <c:majorTickMark val="none"/>
+        <c:minorTickMark val="none"/>
+        <c:tickLblPos val="nextTo"/>
+        <c:spPr>
+          <a:noFill/>
+          <a:ln>
+            <a:noFill/>
+          </a:ln>
+          <a:effectLst/>
+        </c:spPr>
+        <c:txPr>
+          <a:bodyPr rot="-60000000" spcFirstLastPara="1" vertOverflow="ellipsis" vert="horz" wrap="square" anchor="ctr" anchorCtr="1"/>
+          <a:lstStyle/>
+          <a:p>
+            <a:pPr>
+              <a:defRPr sz="1400" b="0" i="0" u="none" strike="noStrike" kern="1200" baseline="0">
+                <a:solidFill>
+                  <a:schemeClr val="tx1">
+                    <a:lumMod val="65000"/>
+                    <a:lumOff val="35000"/>
+                  </a:schemeClr>
+                </a:solidFill>
+                <a:latin typeface="+mn-lt"/>
+                <a:ea typeface="+mn-ea"/>
+                <a:cs typeface="+mn-cs"/>
+              </a:defRPr>
+            </a:pPr>
+            <a:endParaRPr lang="ja-JP"/>
+          </a:p>
+        </c:txPr>
+        <c:crossAx val="576375103"/>
+        <c:crosses val="autoZero"/>
+        <c:crossBetween val="between"/>
+      </c:valAx>
+      <c:dTable>
+        <c:showHorzBorder val="1"/>
+        <c:showVertBorder val="1"/>
+        <c:showOutline val="1"/>
+        <c:showKeys val="1"/>
+        <c:spPr>
+          <a:noFill/>
+          <a:ln w="9525" cap="flat" cmpd="sng" algn="ctr">
+            <a:solidFill>
+              <a:schemeClr val="tx1">
+                <a:lumMod val="15000"/>
+                <a:lumOff val="85000"/>
+              </a:schemeClr>
+            </a:solidFill>
+            <a:round/>
+          </a:ln>
+          <a:effectLst/>
+        </c:spPr>
+        <c:txPr>
+          <a:bodyPr rot="0" spcFirstLastPara="1" vertOverflow="ellipsis" vert="horz" wrap="square" anchor="ctr" anchorCtr="1"/>
+          <a:lstStyle/>
+          <a:p>
+            <a:pPr rtl="0">
+              <a:defRPr sz="1200" b="0" i="0" u="none" strike="noStrike" kern="1200" baseline="0">
+                <a:solidFill>
+                  <a:sysClr val="windowText" lastClr="000000"/>
+                </a:solidFill>
+                <a:latin typeface="+mn-lt"/>
+                <a:ea typeface="+mn-ea"/>
+                <a:cs typeface="+mn-cs"/>
+              </a:defRPr>
+            </a:pPr>
+            <a:endParaRPr lang="ja-JP"/>
+          </a:p>
+        </c:txPr>
+      </c:dTable>
+      <c:spPr>
+        <a:noFill/>
+        <a:ln>
+          <a:noFill/>
+        </a:ln>
+        <a:effectLst/>
+      </c:spPr>
+    </c:plotArea>
+    <c:plotVisOnly val="1"/>
+    <c:dispBlanksAs val="gap"/>
+    <c:showDLblsOverMax val="0"/>
+  </c:chart>
+  <c:spPr>
+    <a:noFill/>
+    <a:ln>
+      <a:noFill/>
+    </a:ln>
+    <a:effectLst/>
+  </c:spPr>
+  <c:txPr>
+    <a:bodyPr/>
+    <a:lstStyle/>
+    <a:p>
+      <a:pPr>
+        <a:defRPr/>
+      </a:pPr>
+      <a:endParaRPr lang="ja-JP"/>
+    </a:p>
+  </c:txPr>
+  <c:externalData r:id="rId4">
+    <c:autoUpdate val="0"/>
+  </c:externalData>
+</c:chartSpace>
+</file>
+
+<file path=ppt/charts/chart2.xml><?xml version="1.0" encoding="utf-8"?>
 <c:chartSpace xmlns:c="http://schemas.openxmlformats.org/drawingml/2006/chart" xmlns:a="http://schemas.openxmlformats.org/drawingml/2006/main" xmlns:r="http://schemas.openxmlformats.org/officeDocument/2006/relationships" xmlns:c16r2="http://schemas.microsoft.com/office/drawing/2015/06/chart">
   <c:date1904 val="0"/>
   <c:lang val="ja-JP"/>
@@ -587,7 +1074,518 @@
 </cs:colorStyle>
 </file>
 
+<file path=ppt/charts/colors2.xml><?xml version="1.0" encoding="utf-8"?>
+<cs:colorStyle xmlns:cs="http://schemas.microsoft.com/office/drawing/2012/chartStyle" xmlns:a="http://schemas.openxmlformats.org/drawingml/2006/main" meth="withinLinear" id="15">
+  <a:schemeClr val="accent2"/>
+</cs:colorStyle>
+</file>
+
 <file path=ppt/charts/style1.xml><?xml version="1.0" encoding="utf-8"?>
+<cs:chartStyle xmlns:cs="http://schemas.microsoft.com/office/drawing/2012/chartStyle" xmlns:a="http://schemas.openxmlformats.org/drawingml/2006/main" id="297">
+  <cs:axisTitle>
+    <cs:lnRef idx="0"/>
+    <cs:fillRef idx="0"/>
+    <cs:effectRef idx="0"/>
+    <cs:fontRef idx="minor">
+      <a:schemeClr val="tx1">
+        <a:lumMod val="65000"/>
+        <a:lumOff val="35000"/>
+      </a:schemeClr>
+    </cs:fontRef>
+    <cs:defRPr sz="1000" kern="1200"/>
+  </cs:axisTitle>
+  <cs:categoryAxis>
+    <cs:lnRef idx="0"/>
+    <cs:fillRef idx="0"/>
+    <cs:effectRef idx="0"/>
+    <cs:fontRef idx="minor">
+      <a:schemeClr val="tx1">
+        <a:lumMod val="65000"/>
+        <a:lumOff val="35000"/>
+      </a:schemeClr>
+    </cs:fontRef>
+    <cs:spPr>
+      <a:ln w="9525" cap="flat" cmpd="sng" algn="ctr">
+        <a:solidFill>
+          <a:schemeClr val="tx1">
+            <a:lumMod val="15000"/>
+            <a:lumOff val="85000"/>
+          </a:schemeClr>
+        </a:solidFill>
+        <a:round/>
+      </a:ln>
+    </cs:spPr>
+    <cs:defRPr sz="900" kern="1200"/>
+  </cs:categoryAxis>
+  <cs:chartArea mods="allowNoFillOverride allowNoLineOverride">
+    <cs:lnRef idx="0"/>
+    <cs:fillRef idx="0"/>
+    <cs:effectRef idx="0"/>
+    <cs:fontRef idx="minor">
+      <a:schemeClr val="tx1"/>
+    </cs:fontRef>
+    <cs:spPr>
+      <a:solidFill>
+        <a:schemeClr val="bg1"/>
+      </a:solidFill>
+      <a:ln w="9525" cap="flat" cmpd="sng" algn="ctr">
+        <a:solidFill>
+          <a:schemeClr val="tx1">
+            <a:lumMod val="15000"/>
+            <a:lumOff val="85000"/>
+          </a:schemeClr>
+        </a:solidFill>
+        <a:round/>
+      </a:ln>
+    </cs:spPr>
+    <cs:defRPr sz="1000" kern="1200"/>
+  </cs:chartArea>
+  <cs:dataLabel>
+    <cs:lnRef idx="0"/>
+    <cs:fillRef idx="0"/>
+    <cs:effectRef idx="0"/>
+    <cs:fontRef idx="minor">
+      <a:schemeClr val="tx1">
+        <a:lumMod val="75000"/>
+        <a:lumOff val="25000"/>
+      </a:schemeClr>
+    </cs:fontRef>
+    <cs:defRPr sz="900" kern="1200"/>
+  </cs:dataLabel>
+  <cs:dataLabelCallout>
+    <cs:lnRef idx="0"/>
+    <cs:fillRef idx="0"/>
+    <cs:effectRef idx="0"/>
+    <cs:fontRef idx="minor">
+      <a:schemeClr val="dk1">
+        <a:lumMod val="65000"/>
+        <a:lumOff val="35000"/>
+      </a:schemeClr>
+    </cs:fontRef>
+    <cs:spPr>
+      <a:solidFill>
+        <a:schemeClr val="lt1"/>
+      </a:solidFill>
+      <a:ln>
+        <a:solidFill>
+          <a:schemeClr val="dk1">
+            <a:lumMod val="25000"/>
+            <a:lumOff val="75000"/>
+          </a:schemeClr>
+        </a:solidFill>
+      </a:ln>
+    </cs:spPr>
+    <cs:defRPr sz="900" kern="1200"/>
+    <cs:bodyPr rot="0" spcFirstLastPara="1" vertOverflow="clip" horzOverflow="clip" vert="horz" wrap="square" lIns="36576" tIns="18288" rIns="36576" bIns="18288" anchor="ctr" anchorCtr="1">
+      <a:spAutoFit/>
+    </cs:bodyPr>
+  </cs:dataLabelCallout>
+  <cs:dataPoint>
+    <cs:lnRef idx="0"/>
+    <cs:fillRef idx="1">
+      <cs:styleClr val="auto"/>
+    </cs:fillRef>
+    <cs:effectRef idx="0"/>
+    <cs:fontRef idx="minor">
+      <a:schemeClr val="tx1"/>
+    </cs:fontRef>
+  </cs:dataPoint>
+  <cs:dataPoint3D>
+    <cs:lnRef idx="0"/>
+    <cs:fillRef idx="1">
+      <cs:styleClr val="auto"/>
+    </cs:fillRef>
+    <cs:effectRef idx="0"/>
+    <cs:fontRef idx="minor">
+      <a:schemeClr val="tx1"/>
+    </cs:fontRef>
+  </cs:dataPoint3D>
+  <cs:dataPointLine>
+    <cs:lnRef idx="0">
+      <cs:styleClr val="auto"/>
+    </cs:lnRef>
+    <cs:fillRef idx="1"/>
+    <cs:effectRef idx="0"/>
+    <cs:fontRef idx="minor">
+      <a:schemeClr val="tx1"/>
+    </cs:fontRef>
+    <cs:spPr>
+      <a:ln w="28575" cap="rnd">
+        <a:solidFill>
+          <a:schemeClr val="phClr"/>
+        </a:solidFill>
+        <a:round/>
+      </a:ln>
+    </cs:spPr>
+  </cs:dataPointLine>
+  <cs:dataPointMarker>
+    <cs:lnRef idx="0">
+      <cs:styleClr val="auto"/>
+    </cs:lnRef>
+    <cs:fillRef idx="1">
+      <cs:styleClr val="auto"/>
+    </cs:fillRef>
+    <cs:effectRef idx="0"/>
+    <cs:fontRef idx="minor">
+      <a:schemeClr val="tx1"/>
+    </cs:fontRef>
+    <cs:spPr>
+      <a:ln w="9525">
+        <a:solidFill>
+          <a:schemeClr val="phClr"/>
+        </a:solidFill>
+      </a:ln>
+    </cs:spPr>
+  </cs:dataPointMarker>
+  <cs:dataPointMarkerLayout symbol="circle" size="5"/>
+  <cs:dataPointWireframe>
+    <cs:lnRef idx="0">
+      <cs:styleClr val="auto"/>
+    </cs:lnRef>
+    <cs:fillRef idx="1"/>
+    <cs:effectRef idx="0"/>
+    <cs:fontRef idx="minor">
+      <a:schemeClr val="tx1"/>
+    </cs:fontRef>
+    <cs:spPr>
+      <a:ln w="9525" cap="rnd">
+        <a:solidFill>
+          <a:schemeClr val="phClr"/>
+        </a:solidFill>
+        <a:round/>
+      </a:ln>
+    </cs:spPr>
+  </cs:dataPointWireframe>
+  <cs:dataTable>
+    <cs:lnRef idx="0"/>
+    <cs:fillRef idx="0"/>
+    <cs:effectRef idx="0"/>
+    <cs:fontRef idx="minor">
+      <a:schemeClr val="tx1">
+        <a:lumMod val="65000"/>
+        <a:lumOff val="35000"/>
+      </a:schemeClr>
+    </cs:fontRef>
+    <cs:spPr>
+      <a:noFill/>
+      <a:ln w="9525" cap="flat" cmpd="sng" algn="ctr">
+        <a:solidFill>
+          <a:schemeClr val="tx1">
+            <a:lumMod val="15000"/>
+            <a:lumOff val="85000"/>
+          </a:schemeClr>
+        </a:solidFill>
+        <a:round/>
+      </a:ln>
+    </cs:spPr>
+    <cs:defRPr sz="900" kern="1200"/>
+  </cs:dataTable>
+  <cs:downBar>
+    <cs:lnRef idx="0"/>
+    <cs:fillRef idx="0"/>
+    <cs:effectRef idx="0"/>
+    <cs:fontRef idx="minor">
+      <a:schemeClr val="tx1"/>
+    </cs:fontRef>
+    <cs:spPr>
+      <a:solidFill>
+        <a:schemeClr val="dk1">
+          <a:lumMod val="75000"/>
+          <a:lumOff val="25000"/>
+        </a:schemeClr>
+      </a:solidFill>
+      <a:ln w="9525" cap="flat" cmpd="sng" algn="ctr">
+        <a:solidFill>
+          <a:schemeClr val="tx1">
+            <a:lumMod val="65000"/>
+            <a:lumOff val="35000"/>
+          </a:schemeClr>
+        </a:solidFill>
+        <a:round/>
+      </a:ln>
+    </cs:spPr>
+  </cs:downBar>
+  <cs:dropLine>
+    <cs:lnRef idx="0"/>
+    <cs:fillRef idx="0"/>
+    <cs:effectRef idx="0"/>
+    <cs:fontRef idx="minor">
+      <a:schemeClr val="tx1"/>
+    </cs:fontRef>
+    <cs:spPr>
+      <a:ln w="9525" cap="flat" cmpd="sng" algn="ctr">
+        <a:solidFill>
+          <a:schemeClr val="tx1">
+            <a:lumMod val="35000"/>
+            <a:lumOff val="65000"/>
+          </a:schemeClr>
+        </a:solidFill>
+        <a:round/>
+      </a:ln>
+    </cs:spPr>
+  </cs:dropLine>
+  <cs:errorBar>
+    <cs:lnRef idx="0"/>
+    <cs:fillRef idx="0"/>
+    <cs:effectRef idx="0"/>
+    <cs:fontRef idx="minor">
+      <a:schemeClr val="tx1"/>
+    </cs:fontRef>
+    <cs:spPr>
+      <a:ln w="9525" cap="flat" cmpd="sng" algn="ctr">
+        <a:solidFill>
+          <a:schemeClr val="tx1">
+            <a:lumMod val="65000"/>
+            <a:lumOff val="35000"/>
+          </a:schemeClr>
+        </a:solidFill>
+        <a:round/>
+      </a:ln>
+    </cs:spPr>
+  </cs:errorBar>
+  <cs:floor>
+    <cs:lnRef idx="0"/>
+    <cs:fillRef idx="0"/>
+    <cs:effectRef idx="0"/>
+    <cs:fontRef idx="minor">
+      <a:schemeClr val="tx1"/>
+    </cs:fontRef>
+    <cs:spPr>
+      <a:noFill/>
+      <a:ln>
+        <a:noFill/>
+      </a:ln>
+    </cs:spPr>
+  </cs:floor>
+  <cs:gridlineMajor>
+    <cs:lnRef idx="0"/>
+    <cs:fillRef idx="0"/>
+    <cs:effectRef idx="0"/>
+    <cs:fontRef idx="minor">
+      <a:schemeClr val="tx1"/>
+    </cs:fontRef>
+    <cs:spPr>
+      <a:ln w="9525" cap="flat" cmpd="sng" algn="ctr">
+        <a:solidFill>
+          <a:schemeClr val="tx1">
+            <a:lumMod val="15000"/>
+            <a:lumOff val="85000"/>
+          </a:schemeClr>
+        </a:solidFill>
+        <a:round/>
+      </a:ln>
+    </cs:spPr>
+  </cs:gridlineMajor>
+  <cs:gridlineMinor>
+    <cs:lnRef idx="0"/>
+    <cs:fillRef idx="0"/>
+    <cs:effectRef idx="0"/>
+    <cs:fontRef idx="minor">
+      <a:schemeClr val="tx1"/>
+    </cs:fontRef>
+    <cs:spPr>
+      <a:ln w="9525" cap="flat" cmpd="sng" algn="ctr">
+        <a:solidFill>
+          <a:schemeClr val="tx1">
+            <a:lumMod val="5000"/>
+            <a:lumOff val="95000"/>
+          </a:schemeClr>
+        </a:solidFill>
+        <a:round/>
+      </a:ln>
+    </cs:spPr>
+  </cs:gridlineMinor>
+  <cs:hiLoLine>
+    <cs:lnRef idx="0"/>
+    <cs:fillRef idx="0"/>
+    <cs:effectRef idx="0"/>
+    <cs:fontRef idx="minor">
+      <a:schemeClr val="tx1"/>
+    </cs:fontRef>
+    <cs:spPr>
+      <a:ln w="9525" cap="flat" cmpd="sng" algn="ctr">
+        <a:solidFill>
+          <a:schemeClr val="tx1">
+            <a:lumMod val="50000"/>
+            <a:lumOff val="50000"/>
+          </a:schemeClr>
+        </a:solidFill>
+        <a:round/>
+      </a:ln>
+    </cs:spPr>
+  </cs:hiLoLine>
+  <cs:leaderLine>
+    <cs:lnRef idx="0"/>
+    <cs:fillRef idx="0"/>
+    <cs:effectRef idx="0"/>
+    <cs:fontRef idx="minor">
+      <a:schemeClr val="tx1"/>
+    </cs:fontRef>
+    <cs:spPr>
+      <a:ln w="9525" cap="flat" cmpd="sng" algn="ctr">
+        <a:solidFill>
+          <a:schemeClr val="tx1">
+            <a:lumMod val="35000"/>
+            <a:lumOff val="65000"/>
+          </a:schemeClr>
+        </a:solidFill>
+        <a:round/>
+      </a:ln>
+    </cs:spPr>
+  </cs:leaderLine>
+  <cs:legend>
+    <cs:lnRef idx="0"/>
+    <cs:fillRef idx="0"/>
+    <cs:effectRef idx="0"/>
+    <cs:fontRef idx="minor">
+      <a:schemeClr val="tx1">
+        <a:lumMod val="65000"/>
+        <a:lumOff val="35000"/>
+      </a:schemeClr>
+    </cs:fontRef>
+    <cs:defRPr sz="900" kern="1200"/>
+  </cs:legend>
+  <cs:plotArea mods="allowNoFillOverride allowNoLineOverride">
+    <cs:lnRef idx="0"/>
+    <cs:fillRef idx="0"/>
+    <cs:effectRef idx="0"/>
+    <cs:fontRef idx="minor">
+      <a:schemeClr val="tx1"/>
+    </cs:fontRef>
+  </cs:plotArea>
+  <cs:plotArea3D mods="allowNoFillOverride allowNoLineOverride">
+    <cs:lnRef idx="0"/>
+    <cs:fillRef idx="0"/>
+    <cs:effectRef idx="0"/>
+    <cs:fontRef idx="minor">
+      <a:schemeClr val="tx1"/>
+    </cs:fontRef>
+  </cs:plotArea3D>
+  <cs:seriesAxis>
+    <cs:lnRef idx="0"/>
+    <cs:fillRef idx="0"/>
+    <cs:effectRef idx="0"/>
+    <cs:fontRef idx="minor">
+      <a:schemeClr val="tx1">
+        <a:lumMod val="65000"/>
+        <a:lumOff val="35000"/>
+      </a:schemeClr>
+    </cs:fontRef>
+    <cs:defRPr sz="900" kern="1200"/>
+  </cs:seriesAxis>
+  <cs:seriesLine>
+    <cs:lnRef idx="0"/>
+    <cs:fillRef idx="0"/>
+    <cs:effectRef idx="0"/>
+    <cs:fontRef idx="minor">
+      <a:schemeClr val="tx1"/>
+    </cs:fontRef>
+    <cs:spPr>
+      <a:ln w="9525" cap="flat" cmpd="sng" algn="ctr">
+        <a:solidFill>
+          <a:schemeClr val="tx1">
+            <a:lumMod val="35000"/>
+            <a:lumOff val="65000"/>
+          </a:schemeClr>
+        </a:solidFill>
+        <a:round/>
+      </a:ln>
+    </cs:spPr>
+  </cs:seriesLine>
+  <cs:title>
+    <cs:lnRef idx="0"/>
+    <cs:fillRef idx="0"/>
+    <cs:effectRef idx="0"/>
+    <cs:fontRef idx="minor">
+      <a:schemeClr val="tx1">
+        <a:lumMod val="65000"/>
+        <a:lumOff val="35000"/>
+      </a:schemeClr>
+    </cs:fontRef>
+    <cs:defRPr sz="1400" b="0" kern="1200" spc="0" baseline="0"/>
+  </cs:title>
+  <cs:trendline>
+    <cs:lnRef idx="0">
+      <cs:styleClr val="auto"/>
+    </cs:lnRef>
+    <cs:fillRef idx="0"/>
+    <cs:effectRef idx="0"/>
+    <cs:fontRef idx="minor">
+      <a:schemeClr val="tx1"/>
+    </cs:fontRef>
+    <cs:spPr>
+      <a:ln w="19050" cap="rnd">
+        <a:solidFill>
+          <a:schemeClr val="phClr"/>
+        </a:solidFill>
+        <a:prstDash val="sysDot"/>
+      </a:ln>
+    </cs:spPr>
+  </cs:trendline>
+  <cs:trendlineLabel>
+    <cs:lnRef idx="0"/>
+    <cs:fillRef idx="0"/>
+    <cs:effectRef idx="0"/>
+    <cs:fontRef idx="minor">
+      <a:schemeClr val="tx1">
+        <a:lumMod val="65000"/>
+        <a:lumOff val="35000"/>
+      </a:schemeClr>
+    </cs:fontRef>
+    <cs:defRPr sz="900" kern="1200"/>
+  </cs:trendlineLabel>
+  <cs:upBar>
+    <cs:lnRef idx="0"/>
+    <cs:fillRef idx="0"/>
+    <cs:effectRef idx="0"/>
+    <cs:fontRef idx="minor">
+      <a:schemeClr val="tx1"/>
+    </cs:fontRef>
+    <cs:spPr>
+      <a:solidFill>
+        <a:schemeClr val="lt1"/>
+      </a:solidFill>
+      <a:ln w="9525" cap="flat" cmpd="sng" algn="ctr">
+        <a:solidFill>
+          <a:schemeClr val="tx1">
+            <a:lumMod val="65000"/>
+            <a:lumOff val="35000"/>
+          </a:schemeClr>
+        </a:solidFill>
+        <a:round/>
+      </a:ln>
+    </cs:spPr>
+  </cs:upBar>
+  <cs:valueAxis>
+    <cs:lnRef idx="0"/>
+    <cs:fillRef idx="0"/>
+    <cs:effectRef idx="0"/>
+    <cs:fontRef idx="minor">
+      <a:schemeClr val="tx1">
+        <a:lumMod val="65000"/>
+        <a:lumOff val="35000"/>
+      </a:schemeClr>
+    </cs:fontRef>
+    <cs:defRPr sz="900" kern="1200"/>
+  </cs:valueAxis>
+  <cs:wall>
+    <cs:lnRef idx="0"/>
+    <cs:fillRef idx="0"/>
+    <cs:effectRef idx="0"/>
+    <cs:fontRef idx="minor">
+      <a:schemeClr val="tx1"/>
+    </cs:fontRef>
+    <cs:spPr>
+      <a:noFill/>
+      <a:ln>
+        <a:noFill/>
+      </a:ln>
+    </cs:spPr>
+  </cs:wall>
+</cs:chartStyle>
+</file>
+
+<file path=ppt/charts/style2.xml><?xml version="1.0" encoding="utf-8"?>
 <cs:chartStyle xmlns:cs="http://schemas.microsoft.com/office/drawing/2012/chartStyle" xmlns:a="http://schemas.openxmlformats.org/drawingml/2006/main" id="297">
   <cs:axisTitle>
     <cs:lnRef idx="0"/>
@@ -1174,7 +2172,7 @@
           <a:p>
             <a:fld id="{7F0095D0-A9E1-4B64-AAAF-C179389DF804}" type="datetimeFigureOut">
               <a:rPr kumimoji="1" lang="ja-JP" altLang="en-US" smtClean="0"/>
-              <a:t>2017/6/2</a:t>
+              <a:t>2017/6/29</a:t>
             </a:fld>
             <a:endParaRPr kumimoji="1" lang="ja-JP" altLang="en-US"/>
           </a:p>
@@ -1617,6 +2615,159 @@
     </p:spTree>
     <p:extLst>
       <p:ext uri="{BB962C8B-B14F-4D97-AF65-F5344CB8AC3E}">
+        <p14:creationId xmlns:p14="http://schemas.microsoft.com/office/powerpoint/2010/main" val="4031355331"/>
+      </p:ext>
+    </p:extLst>
+  </p:cSld>
+  <p:clrMapOvr>
+    <a:masterClrMapping/>
+  </p:clrMapOvr>
+</p:notes>
+</file>
+
+<file path=ppt/notesSlides/notesSlide2.xml><?xml version="1.0" encoding="utf-8"?>
+<p:notes xmlns:a="http://schemas.openxmlformats.org/drawingml/2006/main" xmlns:r="http://schemas.openxmlformats.org/officeDocument/2006/relationships" xmlns:p="http://schemas.openxmlformats.org/presentationml/2006/main">
+  <p:cSld>
+    <p:spTree>
+      <p:nvGrpSpPr>
+        <p:cNvPr id="1" name=""/>
+        <p:cNvGrpSpPr/>
+        <p:nvPr/>
+      </p:nvGrpSpPr>
+      <p:grpSpPr>
+        <a:xfrm>
+          <a:off x="0" y="0"/>
+          <a:ext cx="0" cy="0"/>
+          <a:chOff x="0" y="0"/>
+          <a:chExt cx="0" cy="0"/>
+        </a:xfrm>
+      </p:grpSpPr>
+      <p:sp>
+        <p:nvSpPr>
+          <p:cNvPr id="2" name="スライド イメージ プレースホルダー 1"/>
+          <p:cNvSpPr>
+            <a:spLocks noGrp="1" noRot="1" noChangeAspect="1"/>
+          </p:cNvSpPr>
+          <p:nvPr>
+            <p:ph type="sldImg"/>
+          </p:nvPr>
+        </p:nvSpPr>
+        <p:spPr>
+          <a:xfrm>
+            <a:off x="731838" y="1143000"/>
+            <a:ext cx="5394325" cy="3086100"/>
+          </a:xfrm>
+        </p:spPr>
+      </p:sp>
+      <p:sp>
+        <p:nvSpPr>
+          <p:cNvPr id="3" name="ノート プレースホルダー 2"/>
+          <p:cNvSpPr>
+            <a:spLocks noGrp="1"/>
+          </p:cNvSpPr>
+          <p:nvPr>
+            <p:ph type="body" idx="1"/>
+          </p:nvPr>
+        </p:nvSpPr>
+        <p:spPr/>
+        <p:txBody>
+          <a:bodyPr/>
+          <a:lstStyle/>
+          <a:p>
+            <a:r>
+              <a:rPr kumimoji="1" lang="en-US" altLang="ja-JP" dirty="0" smtClean="0"/>
+              <a:t>3, 6</a:t>
+            </a:r>
+            <a:endParaRPr kumimoji="1" lang="ja-JP" altLang="en-US" dirty="0"/>
+          </a:p>
+        </p:txBody>
+      </p:sp>
+      <p:sp>
+        <p:nvSpPr>
+          <p:cNvPr id="4" name="スライド番号プレースホルダー 3"/>
+          <p:cNvSpPr>
+            <a:spLocks noGrp="1"/>
+          </p:cNvSpPr>
+          <p:nvPr>
+            <p:ph type="sldNum" sz="quarter" idx="10"/>
+          </p:nvPr>
+        </p:nvSpPr>
+        <p:spPr/>
+        <p:txBody>
+          <a:bodyPr/>
+          <a:lstStyle/>
+          <a:p>
+            <a:pPr marL="0" marR="0" lvl="0" indent="0" algn="r" defTabSz="914400" rtl="0" eaLnBrk="1" fontAlgn="auto" latinLnBrk="0" hangingPunct="1">
+              <a:lnSpc>
+                <a:spcPct val="100000"/>
+              </a:lnSpc>
+              <a:spcBef>
+                <a:spcPts val="0"/>
+              </a:spcBef>
+              <a:spcAft>
+                <a:spcPts val="0"/>
+              </a:spcAft>
+              <a:buClrTx/>
+              <a:buSzTx/>
+              <a:buFontTx/>
+              <a:buNone/>
+              <a:tabLst/>
+              <a:defRPr/>
+            </a:pPr>
+            <a:fld id="{962A4D5F-C6D0-4909-B26C-AF388169ED62}" type="slidenum">
+              <a:rPr kumimoji="1" lang="ja-JP" altLang="en-US" sz="1200" b="0" i="0" u="none" strike="noStrike" kern="1200" cap="none" spc="0" normalizeH="0" baseline="0" noProof="0" smtClean="0">
+                <a:ln>
+                  <a:noFill/>
+                </a:ln>
+                <a:solidFill>
+                  <a:prstClr val="black"/>
+                </a:solidFill>
+                <a:effectLst/>
+                <a:uLnTx/>
+                <a:uFillTx/>
+                <a:latin typeface="游ゴシック" panose="020F0502020204030204"/>
+                <a:ea typeface="游ゴシック" panose="020B0400000000000000" pitchFamily="50" charset="-128"/>
+                <a:cs typeface="+mn-cs"/>
+              </a:rPr>
+              <a:pPr marL="0" marR="0" lvl="0" indent="0" algn="r" defTabSz="914400" rtl="0" eaLnBrk="1" fontAlgn="auto" latinLnBrk="0" hangingPunct="1">
+                <a:lnSpc>
+                  <a:spcPct val="100000"/>
+                </a:lnSpc>
+                <a:spcBef>
+                  <a:spcPts val="0"/>
+                </a:spcBef>
+                <a:spcAft>
+                  <a:spcPts val="0"/>
+                </a:spcAft>
+                <a:buClrTx/>
+                <a:buSzTx/>
+                <a:buFontTx/>
+                <a:buNone/>
+                <a:tabLst/>
+                <a:defRPr/>
+              </a:pPr>
+              <a:t>2</a:t>
+            </a:fld>
+            <a:endParaRPr kumimoji="1" lang="ja-JP" altLang="en-US" sz="1200" b="0" i="0" u="none" strike="noStrike" kern="1200" cap="none" spc="0" normalizeH="0" baseline="0" noProof="0">
+              <a:ln>
+                <a:noFill/>
+              </a:ln>
+              <a:solidFill>
+                <a:prstClr val="black"/>
+              </a:solidFill>
+              <a:effectLst/>
+              <a:uLnTx/>
+              <a:uFillTx/>
+              <a:latin typeface="游ゴシック" panose="020F0502020204030204"/>
+              <a:ea typeface="游ゴシック" panose="020B0400000000000000" pitchFamily="50" charset="-128"/>
+              <a:cs typeface="+mn-cs"/>
+            </a:endParaRPr>
+          </a:p>
+        </p:txBody>
+      </p:sp>
+    </p:spTree>
+    <p:extLst>
+      <p:ext uri="{BB962C8B-B14F-4D97-AF65-F5344CB8AC3E}">
         <p14:creationId xmlns:p14="http://schemas.microsoft.com/office/powerpoint/2010/main" val="1475760251"/>
       </p:ext>
     </p:extLst>
@@ -1758,7 +2909,7 @@
           <a:p>
             <a:fld id="{05B1DBB0-D0CE-4499-8A6D-C73AC9430D35}" type="datetimeFigureOut">
               <a:rPr kumimoji="1" lang="ja-JP" altLang="en-US" smtClean="0"/>
-              <a:t>2017/6/2</a:t>
+              <a:t>2017/6/29</a:t>
             </a:fld>
             <a:endParaRPr kumimoji="1" lang="ja-JP" altLang="en-US"/>
           </a:p>
@@ -1960,7 +3111,7 @@
           <a:p>
             <a:fld id="{05B1DBB0-D0CE-4499-8A6D-C73AC9430D35}" type="datetimeFigureOut">
               <a:rPr kumimoji="1" lang="ja-JP" altLang="en-US" smtClean="0"/>
-              <a:t>2017/6/2</a:t>
+              <a:t>2017/6/29</a:t>
             </a:fld>
             <a:endParaRPr kumimoji="1" lang="ja-JP" altLang="en-US"/>
           </a:p>
@@ -2172,7 +3323,7 @@
           <a:p>
             <a:fld id="{05B1DBB0-D0CE-4499-8A6D-C73AC9430D35}" type="datetimeFigureOut">
               <a:rPr kumimoji="1" lang="ja-JP" altLang="en-US" smtClean="0"/>
-              <a:t>2017/6/2</a:t>
+              <a:t>2017/6/29</a:t>
             </a:fld>
             <a:endParaRPr kumimoji="1" lang="ja-JP" altLang="en-US"/>
           </a:p>
@@ -2372,7 +3523,7 @@
           <a:p>
             <a:fld id="{1D8BD707-D9CF-40AE-B4C6-C98DA3205C09}" type="datetimeFigureOut">
               <a:rPr lang="en-US"/>
-              <a:t>6/2/2017</a:t>
+              <a:t>6/29/2017</a:t>
             </a:fld>
             <a:endParaRPr lang="en-US"/>
           </a:p>
@@ -2542,7 +3693,7 @@
           <a:p>
             <a:fld id="{1D8BD707-D9CF-40AE-B4C6-C98DA3205C09}" type="datetimeFigureOut">
               <a:rPr lang="en-US"/>
-              <a:t>6/2/2017</a:t>
+              <a:t>6/29/2017</a:t>
             </a:fld>
             <a:endParaRPr lang="en-US"/>
           </a:p>
@@ -2755,7 +3906,7 @@
           <a:p>
             <a:fld id="{1D8BD707-D9CF-40AE-B4C6-C98DA3205C09}" type="datetimeFigureOut">
               <a:rPr lang="en-US"/>
-              <a:t>6/2/2017</a:t>
+              <a:t>6/29/2017</a:t>
             </a:fld>
             <a:endParaRPr lang="en-US"/>
           </a:p>
@@ -2902,7 +4053,7 @@
           <a:p>
             <a:fld id="{1D8BD707-D9CF-40AE-B4C6-C98DA3205C09}" type="datetimeFigureOut">
               <a:rPr lang="en-US"/>
-              <a:t>6/2/2017</a:t>
+              <a:t>6/29/2017</a:t>
             </a:fld>
             <a:endParaRPr lang="en-US"/>
           </a:p>
@@ -3026,7 +4177,7 @@
           <a:p>
             <a:fld id="{1D8BD707-D9CF-40AE-B4C6-C98DA3205C09}" type="datetimeFigureOut">
               <a:rPr lang="en-US"/>
-              <a:t>6/2/2017</a:t>
+              <a:t>6/29/2017</a:t>
             </a:fld>
             <a:endParaRPr lang="en-US"/>
           </a:p>
@@ -3225,7 +4376,7 @@
           <a:p>
             <a:fld id="{05B1DBB0-D0CE-4499-8A6D-C73AC9430D35}" type="datetimeFigureOut">
               <a:rPr kumimoji="1" lang="ja-JP" altLang="en-US" smtClean="0"/>
-              <a:t>2017/6/2</a:t>
+              <a:t>2017/6/29</a:t>
             </a:fld>
             <a:endParaRPr kumimoji="1" lang="ja-JP" altLang="en-US"/>
           </a:p>
@@ -3471,7 +4622,7 @@
           <a:p>
             <a:fld id="{05B1DBB0-D0CE-4499-8A6D-C73AC9430D35}" type="datetimeFigureOut">
               <a:rPr kumimoji="1" lang="ja-JP" altLang="en-US" smtClean="0"/>
-              <a:t>2017/6/2</a:t>
+              <a:t>2017/6/29</a:t>
             </a:fld>
             <a:endParaRPr kumimoji="1" lang="ja-JP" altLang="en-US"/>
           </a:p>
@@ -3767,7 +4918,7 @@
           <a:p>
             <a:fld id="{05B1DBB0-D0CE-4499-8A6D-C73AC9430D35}" type="datetimeFigureOut">
               <a:rPr kumimoji="1" lang="ja-JP" altLang="en-US" smtClean="0"/>
-              <a:t>2017/6/2</a:t>
+              <a:t>2017/6/29</a:t>
             </a:fld>
             <a:endParaRPr kumimoji="1" lang="ja-JP" altLang="en-US"/>
           </a:p>
@@ -4198,7 +5349,7 @@
           <a:p>
             <a:fld id="{05B1DBB0-D0CE-4499-8A6D-C73AC9430D35}" type="datetimeFigureOut">
               <a:rPr kumimoji="1" lang="ja-JP" altLang="en-US" smtClean="0"/>
-              <a:t>2017/6/2</a:t>
+              <a:t>2017/6/29</a:t>
             </a:fld>
             <a:endParaRPr kumimoji="1" lang="ja-JP" altLang="en-US"/>
           </a:p>
@@ -4316,7 +5467,7 @@
           <a:p>
             <a:fld id="{05B1DBB0-D0CE-4499-8A6D-C73AC9430D35}" type="datetimeFigureOut">
               <a:rPr kumimoji="1" lang="ja-JP" altLang="en-US" smtClean="0"/>
-              <a:t>2017/6/2</a:t>
+              <a:t>2017/6/29</a:t>
             </a:fld>
             <a:endParaRPr kumimoji="1" lang="ja-JP" altLang="en-US"/>
           </a:p>
@@ -4411,7 +5562,7 @@
           <a:p>
             <a:fld id="{05B1DBB0-D0CE-4499-8A6D-C73AC9430D35}" type="datetimeFigureOut">
               <a:rPr kumimoji="1" lang="ja-JP" altLang="en-US" smtClean="0"/>
-              <a:t>2017/6/2</a:t>
+              <a:t>2017/6/29</a:t>
             </a:fld>
             <a:endParaRPr kumimoji="1" lang="ja-JP" altLang="en-US"/>
           </a:p>
@@ -4720,7 +5871,7 @@
           <a:p>
             <a:fld id="{05B1DBB0-D0CE-4499-8A6D-C73AC9430D35}" type="datetimeFigureOut">
               <a:rPr kumimoji="1" lang="ja-JP" altLang="en-US" smtClean="0"/>
-              <a:t>2017/6/2</a:t>
+              <a:t>2017/6/29</a:t>
             </a:fld>
             <a:endParaRPr kumimoji="1" lang="ja-JP" altLang="en-US"/>
           </a:p>
@@ -4973,7 +6124,7 @@
           <a:p>
             <a:fld id="{05B1DBB0-D0CE-4499-8A6D-C73AC9430D35}" type="datetimeFigureOut">
               <a:rPr kumimoji="1" lang="ja-JP" altLang="en-US" smtClean="0"/>
-              <a:t>2017/6/2</a:t>
+              <a:t>2017/6/29</a:t>
             </a:fld>
             <a:endParaRPr kumimoji="1" lang="ja-JP" altLang="en-US"/>
           </a:p>
@@ -5218,7 +6369,7 @@
           <a:p>
             <a:fld id="{05B1DBB0-D0CE-4499-8A6D-C73AC9430D35}" type="datetimeFigureOut">
               <a:rPr kumimoji="1" lang="ja-JP" altLang="en-US" smtClean="0"/>
-              <a:t>2017/6/2</a:t>
+              <a:t>2017/6/29</a:t>
             </a:fld>
             <a:endParaRPr kumimoji="1" lang="ja-JP" altLang="en-US"/>
           </a:p>
@@ -5773,7 +6924,7 @@
           <a:p>
             <a:fld id="{1D8BD707-D9CF-40AE-B4C6-C98DA3205C09}" type="datetimeFigureOut">
               <a:rPr lang="en-US"/>
-              <a:t>6/2/2017</a:t>
+              <a:t>6/29/2017</a:t>
             </a:fld>
             <a:endParaRPr lang="en-US"/>
           </a:p>
@@ -5999,6 +7150,67 @@
       </p:grpSpPr>
       <p:graphicFrame>
         <p:nvGraphicFramePr>
+          <p:cNvPr id="4" name="グラフ 3"/>
+          <p:cNvGraphicFramePr>
+            <a:graphicFrameLocks/>
+          </p:cNvGraphicFramePr>
+          <p:nvPr>
+            <p:extLst>
+              <p:ext uri="{D42A27DB-BD31-4B8C-83A1-F6EECF244321}">
+                <p14:modId xmlns:p14="http://schemas.microsoft.com/office/powerpoint/2010/main" val="3769944130"/>
+              </p:ext>
+            </p:extLst>
+          </p:nvPr>
+        </p:nvGraphicFramePr>
+        <p:xfrm>
+          <a:off x="-17083" y="18427"/>
+          <a:ext cx="4722055" cy="2644433"/>
+        </p:xfrm>
+        <a:graphic>
+          <a:graphicData uri="http://schemas.openxmlformats.org/drawingml/2006/chart">
+            <c:chart xmlns:c="http://schemas.openxmlformats.org/drawingml/2006/chart" xmlns:r="http://schemas.openxmlformats.org/officeDocument/2006/relationships" r:id="rId3"/>
+          </a:graphicData>
+        </a:graphic>
+      </p:graphicFrame>
+    </p:spTree>
+    <p:extLst>
+      <p:ext uri="{BB962C8B-B14F-4D97-AF65-F5344CB8AC3E}">
+        <p14:creationId xmlns:p14="http://schemas.microsoft.com/office/powerpoint/2010/main" val="484123853"/>
+      </p:ext>
+    </p:extLst>
+  </p:cSld>
+  <p:clrMapOvr>
+    <a:masterClrMapping/>
+  </p:clrMapOvr>
+  <p:timing>
+    <p:tnLst>
+      <p:par>
+        <p:cTn id="1" dur="indefinite" restart="never" nodeType="tmRoot"/>
+      </p:par>
+    </p:tnLst>
+  </p:timing>
+</p:sld>
+</file>
+
+<file path=ppt/slides/slide2.xml><?xml version="1.0" encoding="utf-8"?>
+<p:sld xmlns:a="http://schemas.openxmlformats.org/drawingml/2006/main" xmlns:r="http://schemas.openxmlformats.org/officeDocument/2006/relationships" xmlns:p="http://schemas.openxmlformats.org/presentationml/2006/main" show="0">
+  <p:cSld>
+    <p:spTree>
+      <p:nvGrpSpPr>
+        <p:cNvPr id="1" name=""/>
+        <p:cNvGrpSpPr/>
+        <p:nvPr/>
+      </p:nvGrpSpPr>
+      <p:grpSpPr>
+        <a:xfrm>
+          <a:off x="0" y="0"/>
+          <a:ext cx="0" cy="0"/>
+          <a:chOff x="0" y="0"/>
+          <a:chExt cx="0" cy="0"/>
+        </a:xfrm>
+      </p:grpSpPr>
+      <p:graphicFrame>
+        <p:nvGraphicFramePr>
           <p:cNvPr id="6" name="グラフ 5"/>
           <p:cNvGraphicFramePr>
             <a:graphicFrameLocks/>
@@ -6031,6 +7243,14 @@
   <p:clrMapOvr>
     <a:masterClrMapping/>
   </p:clrMapOvr>
+  <mc:AlternateContent xmlns:mc="http://schemas.openxmlformats.org/markup-compatibility/2006">
+    <mc:Choice xmlns:p14="http://schemas.microsoft.com/office/powerpoint/2010/main" Requires="p14">
+      <p:transition spd="slow" p14:dur="2000"/>
+    </mc:Choice>
+    <mc:Fallback>
+      <p:transition spd="slow"/>
+    </mc:Fallback>
+  </mc:AlternateContent>
   <p:timing>
     <p:tnLst>
       <p:par>
@@ -7122,4 +8342,256 @@
     </a:bgFillStyleLst>
   </a:fmtScheme>
 </a:themeOverride>
+</file>
+
+<file path=ppt/theme/themeOverride2.xml><?xml version="1.0" encoding="utf-8"?>
+<a:themeOverride xmlns:a="http://schemas.openxmlformats.org/drawingml/2006/main">
+  <a:clrScheme name="Office">
+    <a:dk1>
+      <a:sysClr val="windowText" lastClr="000000"/>
+    </a:dk1>
+    <a:lt1>
+      <a:sysClr val="window" lastClr="FFFFFF"/>
+    </a:lt1>
+    <a:dk2>
+      <a:srgbClr val="44546A"/>
+    </a:dk2>
+    <a:lt2>
+      <a:srgbClr val="E7E6E6"/>
+    </a:lt2>
+    <a:accent1>
+      <a:srgbClr val="5B9BD5"/>
+    </a:accent1>
+    <a:accent2>
+      <a:srgbClr val="ED7D31"/>
+    </a:accent2>
+    <a:accent3>
+      <a:srgbClr val="A5A5A5"/>
+    </a:accent3>
+    <a:accent4>
+      <a:srgbClr val="FFC000"/>
+    </a:accent4>
+    <a:accent5>
+      <a:srgbClr val="4472C4"/>
+    </a:accent5>
+    <a:accent6>
+      <a:srgbClr val="70AD47"/>
+    </a:accent6>
+    <a:hlink>
+      <a:srgbClr val="0563C1"/>
+    </a:hlink>
+    <a:folHlink>
+      <a:srgbClr val="954F72"/>
+    </a:folHlink>
+  </a:clrScheme>
+  <a:fontScheme name="Office">
+    <a:majorFont>
+      <a:latin typeface="Calibri Light" panose="020F0302020204030204"/>
+      <a:ea typeface=""/>
+      <a:cs typeface=""/>
+      <a:font script="Jpan" typeface="游ゴシック Light"/>
+      <a:font script="Hang" typeface="맑은 고딕"/>
+      <a:font script="Hans" typeface="等线 Light"/>
+      <a:font script="Hant" typeface="新細明體"/>
+      <a:font script="Arab" typeface="Times New Roman"/>
+      <a:font script="Hebr" typeface="Times New Roman"/>
+      <a:font script="Thai" typeface="Tahoma"/>
+      <a:font script="Ethi" typeface="Nyala"/>
+      <a:font script="Beng" typeface="Vrinda"/>
+      <a:font script="Gujr" typeface="Shruti"/>
+      <a:font script="Khmr" typeface="MoolBoran"/>
+      <a:font script="Knda" typeface="Tunga"/>
+      <a:font script="Guru" typeface="Raavi"/>
+      <a:font script="Cans" typeface="Euphemia"/>
+      <a:font script="Cher" typeface="Plantagenet Cherokee"/>
+      <a:font script="Yiii" typeface="Microsoft Yi Baiti"/>
+      <a:font script="Tibt" typeface="Microsoft Himalaya"/>
+      <a:font script="Thaa" typeface="MV Boli"/>
+      <a:font script="Deva" typeface="Mangal"/>
+      <a:font script="Telu" typeface="Gautami"/>
+      <a:font script="Taml" typeface="Latha"/>
+      <a:font script="Syrc" typeface="Estrangelo Edessa"/>
+      <a:font script="Orya" typeface="Kalinga"/>
+      <a:font script="Mlym" typeface="Kartika"/>
+      <a:font script="Laoo" typeface="DokChampa"/>
+      <a:font script="Sinh" typeface="Iskoola Pota"/>
+      <a:font script="Mong" typeface="Mongolian Baiti"/>
+      <a:font script="Viet" typeface="Times New Roman"/>
+      <a:font script="Uigh" typeface="Microsoft Uighur"/>
+      <a:font script="Geor" typeface="Sylfaen"/>
+    </a:majorFont>
+    <a:minorFont>
+      <a:latin typeface="Calibri" panose="020F0502020204030204"/>
+      <a:ea typeface=""/>
+      <a:cs typeface=""/>
+      <a:font script="Jpan" typeface="游ゴシック"/>
+      <a:font script="Hang" typeface="맑은 고딕"/>
+      <a:font script="Hans" typeface="等线"/>
+      <a:font script="Hant" typeface="新細明體"/>
+      <a:font script="Arab" typeface="Arial"/>
+      <a:font script="Hebr" typeface="Arial"/>
+      <a:font script="Thai" typeface="Tahoma"/>
+      <a:font script="Ethi" typeface="Nyala"/>
+      <a:font script="Beng" typeface="Vrinda"/>
+      <a:font script="Gujr" typeface="Shruti"/>
+      <a:font script="Khmr" typeface="DaunPenh"/>
+      <a:font script="Knda" typeface="Tunga"/>
+      <a:font script="Guru" typeface="Raavi"/>
+      <a:font script="Cans" typeface="Euphemia"/>
+      <a:font script="Cher" typeface="Plantagenet Cherokee"/>
+      <a:font script="Yiii" typeface="Microsoft Yi Baiti"/>
+      <a:font script="Tibt" typeface="Microsoft Himalaya"/>
+      <a:font script="Thaa" typeface="MV Boli"/>
+      <a:font script="Deva" typeface="Mangal"/>
+      <a:font script="Telu" typeface="Gautami"/>
+      <a:font script="Taml" typeface="Latha"/>
+      <a:font script="Syrc" typeface="Estrangelo Edessa"/>
+      <a:font script="Orya" typeface="Kalinga"/>
+      <a:font script="Mlym" typeface="Kartika"/>
+      <a:font script="Laoo" typeface="DokChampa"/>
+      <a:font script="Sinh" typeface="Iskoola Pota"/>
+      <a:font script="Mong" typeface="Mongolian Baiti"/>
+      <a:font script="Viet" typeface="Arial"/>
+      <a:font script="Uigh" typeface="Microsoft Uighur"/>
+      <a:font script="Geor" typeface="Sylfaen"/>
+    </a:minorFont>
+  </a:fontScheme>
+  <a:fmtScheme name="Office">
+    <a:fillStyleLst>
+      <a:solidFill>
+        <a:schemeClr val="phClr"/>
+      </a:solidFill>
+      <a:gradFill rotWithShape="1">
+        <a:gsLst>
+          <a:gs pos="0">
+            <a:schemeClr val="phClr">
+              <a:lumMod val="110000"/>
+              <a:satMod val="105000"/>
+              <a:tint val="67000"/>
+            </a:schemeClr>
+          </a:gs>
+          <a:gs pos="50000">
+            <a:schemeClr val="phClr">
+              <a:lumMod val="105000"/>
+              <a:satMod val="103000"/>
+              <a:tint val="73000"/>
+            </a:schemeClr>
+          </a:gs>
+          <a:gs pos="100000">
+            <a:schemeClr val="phClr">
+              <a:lumMod val="105000"/>
+              <a:satMod val="109000"/>
+              <a:tint val="81000"/>
+            </a:schemeClr>
+          </a:gs>
+        </a:gsLst>
+        <a:lin ang="5400000" scaled="0"/>
+      </a:gradFill>
+      <a:gradFill rotWithShape="1">
+        <a:gsLst>
+          <a:gs pos="0">
+            <a:schemeClr val="phClr">
+              <a:satMod val="103000"/>
+              <a:lumMod val="102000"/>
+              <a:tint val="94000"/>
+            </a:schemeClr>
+          </a:gs>
+          <a:gs pos="50000">
+            <a:schemeClr val="phClr">
+              <a:satMod val="110000"/>
+              <a:lumMod val="100000"/>
+              <a:shade val="100000"/>
+            </a:schemeClr>
+          </a:gs>
+          <a:gs pos="100000">
+            <a:schemeClr val="phClr">
+              <a:lumMod val="99000"/>
+              <a:satMod val="120000"/>
+              <a:shade val="78000"/>
+            </a:schemeClr>
+          </a:gs>
+        </a:gsLst>
+        <a:lin ang="5400000" scaled="0"/>
+      </a:gradFill>
+    </a:fillStyleLst>
+    <a:lnStyleLst>
+      <a:ln w="6350" cap="flat" cmpd="sng" algn="ctr">
+        <a:solidFill>
+          <a:schemeClr val="phClr"/>
+        </a:solidFill>
+        <a:prstDash val="solid"/>
+        <a:miter lim="800000"/>
+      </a:ln>
+      <a:ln w="12700" cap="flat" cmpd="sng" algn="ctr">
+        <a:solidFill>
+          <a:schemeClr val="phClr"/>
+        </a:solidFill>
+        <a:prstDash val="solid"/>
+        <a:miter lim="800000"/>
+      </a:ln>
+      <a:ln w="19050" cap="flat" cmpd="sng" algn="ctr">
+        <a:solidFill>
+          <a:schemeClr val="phClr"/>
+        </a:solidFill>
+        <a:prstDash val="solid"/>
+        <a:miter lim="800000"/>
+      </a:ln>
+    </a:lnStyleLst>
+    <a:effectStyleLst>
+      <a:effectStyle>
+        <a:effectLst/>
+      </a:effectStyle>
+      <a:effectStyle>
+        <a:effectLst/>
+      </a:effectStyle>
+      <a:effectStyle>
+        <a:effectLst>
+          <a:outerShdw blurRad="57150" dist="19050" dir="5400000" algn="ctr" rotWithShape="0">
+            <a:srgbClr val="000000">
+              <a:alpha val="63000"/>
+            </a:srgbClr>
+          </a:outerShdw>
+        </a:effectLst>
+      </a:effectStyle>
+    </a:effectStyleLst>
+    <a:bgFillStyleLst>
+      <a:solidFill>
+        <a:schemeClr val="phClr"/>
+      </a:solidFill>
+      <a:solidFill>
+        <a:schemeClr val="phClr">
+          <a:tint val="95000"/>
+          <a:satMod val="170000"/>
+        </a:schemeClr>
+      </a:solidFill>
+      <a:gradFill rotWithShape="1">
+        <a:gsLst>
+          <a:gs pos="0">
+            <a:schemeClr val="phClr">
+              <a:tint val="93000"/>
+              <a:satMod val="150000"/>
+              <a:shade val="98000"/>
+              <a:lumMod val="102000"/>
+            </a:schemeClr>
+          </a:gs>
+          <a:gs pos="50000">
+            <a:schemeClr val="phClr">
+              <a:tint val="98000"/>
+              <a:satMod val="130000"/>
+              <a:shade val="90000"/>
+              <a:lumMod val="103000"/>
+            </a:schemeClr>
+          </a:gs>
+          <a:gs pos="100000">
+            <a:schemeClr val="phClr">
+              <a:shade val="63000"/>
+              <a:satMod val="120000"/>
+            </a:schemeClr>
+          </a:gs>
+        </a:gsLst>
+        <a:lin ang="5400000" scaled="0"/>
+      </a:gradFill>
+    </a:bgFillStyleLst>
+  </a:fmtScheme>
+</a:themeOverride>
 </file>